--- a/docs/template.pptx
+++ b/docs/template.pptx
@@ -1,6 +1,6 @@
 
 <file path=ppt/presentation.xml><?xml version="1.0" encoding="utf-8"?>
-<p:presentation xmlns:a="http://schemas.openxmlformats.org/drawingml/2006/main" xmlns:r="http://schemas.openxmlformats.org/officeDocument/2006/relationships" xmlns:p="http://schemas.openxmlformats.org/presentationml/2006/main" saveSubsetFonts="1">
+<p:presentation xmlns:a="http://schemas.openxmlformats.org/drawingml/2006/main" xmlns:r="http://schemas.openxmlformats.org/officeDocument/2006/relationships" xmlns:p="http://schemas.openxmlformats.org/presentationml/2006/main" showSpecialPlsOnTitleSld="0" saveSubsetFonts="1">
   <p:sldMasterIdLst>
     <p:sldMasterId id="2147483648" r:id="rId1"/>
     <p:sldMasterId id="2147483650" r:id="rId2"/>
@@ -207,6 +207,125 @@
           <a:chExt cx="0" cy="0"/>
         </a:xfrm>
       </p:grpSpPr>
+      <p:sp>
+        <p:nvSpPr>
+          <p:cNvPr id="2" name="Espace réservé du pied de page 1">
+            <a:extLst>
+              <a:ext uri="{FF2B5EF4-FFF2-40B4-BE49-F238E27FC236}">
+                <a16:creationId xmlns:a16="http://schemas.microsoft.com/office/drawing/2014/main" id="{D9794535-4694-792D-9565-42CC315F7168}"/>
+              </a:ext>
+            </a:extLst>
+          </p:cNvPr>
+          <p:cNvSpPr>
+            <a:spLocks noGrp="1"/>
+          </p:cNvSpPr>
+          <p:nvPr>
+            <p:ph type="ftr" sz="quarter" idx="2"/>
+          </p:nvPr>
+        </p:nvSpPr>
+        <p:spPr>
+          <a:xfrm>
+            <a:off x="2348880" y="6300192"/>
+            <a:ext cx="2160240" cy="458787"/>
+          </a:xfrm>
+          <a:prstGeom prst="rect">
+            <a:avLst/>
+          </a:prstGeom>
+        </p:spPr>
+        <p:txBody>
+          <a:bodyPr vert="horz" lIns="91440" tIns="45720" rIns="91440" bIns="45720" rtlCol="0" anchor="b"/>
+          <a:lstStyle>
+            <a:lvl1pPr algn="l">
+              <a:defRPr sz="1200"/>
+            </a:lvl1pPr>
+          </a:lstStyle>
+          <a:p>
+            <a:endParaRPr lang="fr-FR" dirty="0"/>
+          </a:p>
+        </p:txBody>
+      </p:sp>
+      <p:sp>
+        <p:nvSpPr>
+          <p:cNvPr id="5" name="Espace réservé de la date 4">
+            <a:extLst>
+              <a:ext uri="{FF2B5EF4-FFF2-40B4-BE49-F238E27FC236}">
+                <a16:creationId xmlns:a16="http://schemas.microsoft.com/office/drawing/2014/main" id="{CC46E15E-784C-062C-E934-6A25EAE4641A}"/>
+              </a:ext>
+            </a:extLst>
+          </p:cNvPr>
+          <p:cNvSpPr>
+            <a:spLocks noGrp="1"/>
+          </p:cNvSpPr>
+          <p:nvPr>
+            <p:ph type="dt" sz="quarter" idx="1"/>
+          </p:nvPr>
+        </p:nvSpPr>
+        <p:spPr>
+          <a:xfrm>
+            <a:off x="548680" y="6300191"/>
+            <a:ext cx="1195165" cy="458788"/>
+          </a:xfrm>
+          <a:prstGeom prst="rect">
+            <a:avLst/>
+          </a:prstGeom>
+        </p:spPr>
+        <p:txBody>
+          <a:bodyPr vert="horz" lIns="91440" tIns="45720" rIns="91440" bIns="45720" rtlCol="0"/>
+          <a:lstStyle>
+            <a:lvl1pPr algn="r">
+              <a:defRPr sz="1200"/>
+            </a:lvl1pPr>
+          </a:lstStyle>
+          <a:p>
+            <a:fld id="{3DD13B81-9649-475A-9DC4-42E0A7CC8DA3}" type="datetimeFigureOut">
+              <a:rPr lang="fr-FR" smtClean="0"/>
+              <a:t>23/01/2023</a:t>
+            </a:fld>
+            <a:endParaRPr lang="fr-FR"/>
+          </a:p>
+        </p:txBody>
+      </p:sp>
+      <p:sp>
+        <p:nvSpPr>
+          <p:cNvPr id="6" name="Espace réservé du numéro de diapositive 5">
+            <a:extLst>
+              <a:ext uri="{FF2B5EF4-FFF2-40B4-BE49-F238E27FC236}">
+                <a16:creationId xmlns:a16="http://schemas.microsoft.com/office/drawing/2014/main" id="{D7D9AFAC-2F81-BE2B-BA4D-60FEBB207C4C}"/>
+              </a:ext>
+            </a:extLst>
+          </p:cNvPr>
+          <p:cNvSpPr>
+            <a:spLocks noGrp="1"/>
+          </p:cNvSpPr>
+          <p:nvPr>
+            <p:ph type="sldNum" sz="quarter" idx="3"/>
+          </p:nvPr>
+        </p:nvSpPr>
+        <p:spPr>
+          <a:xfrm>
+            <a:off x="5733256" y="6300192"/>
+            <a:ext cx="576064" cy="458787"/>
+          </a:xfrm>
+          <a:prstGeom prst="rect">
+            <a:avLst/>
+          </a:prstGeom>
+        </p:spPr>
+        <p:txBody>
+          <a:bodyPr vert="horz" lIns="91440" tIns="45720" rIns="91440" bIns="45720" rtlCol="0" anchor="b"/>
+          <a:lstStyle>
+            <a:lvl1pPr algn="r">
+              <a:defRPr sz="1200"/>
+            </a:lvl1pPr>
+          </a:lstStyle>
+          <a:p>
+            <a:fld id="{559698B4-47F7-44D9-8910-CA4AE72F0A0F}" type="slidenum">
+              <a:rPr lang="fr-FR" smtClean="0"/>
+              <a:t>‹N°›</a:t>
+            </a:fld>
+            <a:endParaRPr lang="fr-FR"/>
+          </a:p>
+        </p:txBody>
+      </p:sp>
     </p:spTree>
     <p:extLst>
       <p:ext uri="{BB962C8B-B14F-4D97-AF65-F5344CB8AC3E}">
@@ -813,6 +932,346 @@
 </p:notesMaster>
 </file>
 
+<file path=ppt/notesSlides/notesSlide1.xml><?xml version="1.0" encoding="utf-8"?>
+<p:notes xmlns:a="http://schemas.openxmlformats.org/drawingml/2006/main" xmlns:r="http://schemas.openxmlformats.org/officeDocument/2006/relationships" xmlns:p="http://schemas.openxmlformats.org/presentationml/2006/main">
+  <p:cSld>
+    <p:spTree>
+      <p:nvGrpSpPr>
+        <p:cNvPr id="1" name=""/>
+        <p:cNvGrpSpPr/>
+        <p:nvPr/>
+      </p:nvGrpSpPr>
+      <p:grpSpPr>
+        <a:xfrm>
+          <a:off x="0" y="0"/>
+          <a:ext cx="0" cy="0"/>
+          <a:chOff x="0" y="0"/>
+          <a:chExt cx="0" cy="0"/>
+        </a:xfrm>
+      </p:grpSpPr>
+      <p:sp>
+        <p:nvSpPr>
+          <p:cNvPr id="2" name="Espace réservé de l'image des diapositives 1"/>
+          <p:cNvSpPr>
+            <a:spLocks noGrp="1" noRot="1" noChangeAspect="1"/>
+          </p:cNvSpPr>
+          <p:nvPr>
+            <p:ph type="sldImg"/>
+          </p:nvPr>
+        </p:nvSpPr>
+        <p:spPr/>
+      </p:sp>
+      <p:sp>
+        <p:nvSpPr>
+          <p:cNvPr id="3" name="Espace réservé des notes 2"/>
+          <p:cNvSpPr>
+            <a:spLocks noGrp="1"/>
+          </p:cNvSpPr>
+          <p:nvPr>
+            <p:ph type="body" idx="1"/>
+          </p:nvPr>
+        </p:nvSpPr>
+        <p:spPr/>
+        <p:txBody>
+          <a:bodyPr/>
+          <a:lstStyle/>
+          <a:p>
+            <a:endParaRPr lang="fr-FR"/>
+          </a:p>
+        </p:txBody>
+      </p:sp>
+      <p:sp>
+        <p:nvSpPr>
+          <p:cNvPr id="4" name="Espace réservé du numéro de diapositive 3"/>
+          <p:cNvSpPr>
+            <a:spLocks noGrp="1"/>
+          </p:cNvSpPr>
+          <p:nvPr>
+            <p:ph type="sldNum" sz="quarter" idx="5"/>
+          </p:nvPr>
+        </p:nvSpPr>
+        <p:spPr/>
+        <p:txBody>
+          <a:bodyPr/>
+          <a:lstStyle/>
+          <a:p>
+            <a:fld id="{A01EE043-3E22-450F-A2CD-2F4648AC2DBE}" type="slidenum">
+              <a:rPr lang="ru-RU" smtClean="0"/>
+              <a:pPr/>
+              <a:t>1</a:t>
+            </a:fld>
+            <a:endParaRPr lang="ru-RU"/>
+          </a:p>
+        </p:txBody>
+      </p:sp>
+    </p:spTree>
+    <p:extLst>
+      <p:ext uri="{BB962C8B-B14F-4D97-AF65-F5344CB8AC3E}">
+        <p14:creationId xmlns:p14="http://schemas.microsoft.com/office/powerpoint/2010/main" val="2881708112"/>
+      </p:ext>
+    </p:extLst>
+  </p:cSld>
+  <p:clrMapOvr>
+    <a:masterClrMapping/>
+  </p:clrMapOvr>
+</p:notes>
+</file>
+
+<file path=ppt/notesSlides/notesSlide2.xml><?xml version="1.0" encoding="utf-8"?>
+<p:notes xmlns:a="http://schemas.openxmlformats.org/drawingml/2006/main" xmlns:r="http://schemas.openxmlformats.org/officeDocument/2006/relationships" xmlns:p="http://schemas.openxmlformats.org/presentationml/2006/main">
+  <p:cSld>
+    <p:spTree>
+      <p:nvGrpSpPr>
+        <p:cNvPr id="1" name=""/>
+        <p:cNvGrpSpPr/>
+        <p:nvPr/>
+      </p:nvGrpSpPr>
+      <p:grpSpPr>
+        <a:xfrm>
+          <a:off x="0" y="0"/>
+          <a:ext cx="0" cy="0"/>
+          <a:chOff x="0" y="0"/>
+          <a:chExt cx="0" cy="0"/>
+        </a:xfrm>
+      </p:grpSpPr>
+      <p:sp>
+        <p:nvSpPr>
+          <p:cNvPr id="2" name="Espace réservé de l'image des diapositives 1"/>
+          <p:cNvSpPr>
+            <a:spLocks noGrp="1" noRot="1" noChangeAspect="1"/>
+          </p:cNvSpPr>
+          <p:nvPr>
+            <p:ph type="sldImg"/>
+          </p:nvPr>
+        </p:nvSpPr>
+        <p:spPr/>
+      </p:sp>
+      <p:sp>
+        <p:nvSpPr>
+          <p:cNvPr id="3" name="Espace réservé des notes 2"/>
+          <p:cNvSpPr>
+            <a:spLocks noGrp="1"/>
+          </p:cNvSpPr>
+          <p:nvPr>
+            <p:ph type="body" idx="1"/>
+          </p:nvPr>
+        </p:nvSpPr>
+        <p:spPr/>
+        <p:txBody>
+          <a:bodyPr/>
+          <a:lstStyle/>
+          <a:p>
+            <a:endParaRPr lang="fr-FR" dirty="0"/>
+          </a:p>
+        </p:txBody>
+      </p:sp>
+      <p:sp>
+        <p:nvSpPr>
+          <p:cNvPr id="4" name="Espace réservé du numéro de diapositive 3"/>
+          <p:cNvSpPr>
+            <a:spLocks noGrp="1"/>
+          </p:cNvSpPr>
+          <p:nvPr>
+            <p:ph type="sldNum" sz="quarter" idx="5"/>
+          </p:nvPr>
+        </p:nvSpPr>
+        <p:spPr/>
+        <p:txBody>
+          <a:bodyPr/>
+          <a:lstStyle/>
+          <a:p>
+            <a:fld id="{A01EE043-3E22-450F-A2CD-2F4648AC2DBE}" type="slidenum">
+              <a:rPr lang="ru-RU" smtClean="0"/>
+              <a:pPr/>
+              <a:t>2</a:t>
+            </a:fld>
+            <a:endParaRPr lang="ru-RU"/>
+          </a:p>
+        </p:txBody>
+      </p:sp>
+    </p:spTree>
+    <p:extLst>
+      <p:ext uri="{BB962C8B-B14F-4D97-AF65-F5344CB8AC3E}">
+        <p14:creationId xmlns:p14="http://schemas.microsoft.com/office/powerpoint/2010/main" val="4017094873"/>
+      </p:ext>
+    </p:extLst>
+  </p:cSld>
+  <p:clrMapOvr>
+    <a:masterClrMapping/>
+  </p:clrMapOvr>
+</p:notes>
+</file>
+
+<file path=ppt/notesSlides/notesSlide3.xml><?xml version="1.0" encoding="utf-8"?>
+<p:notes xmlns:a="http://schemas.openxmlformats.org/drawingml/2006/main" xmlns:r="http://schemas.openxmlformats.org/officeDocument/2006/relationships" xmlns:p="http://schemas.openxmlformats.org/presentationml/2006/main">
+  <p:cSld>
+    <p:spTree>
+      <p:nvGrpSpPr>
+        <p:cNvPr id="1" name=""/>
+        <p:cNvGrpSpPr/>
+        <p:nvPr/>
+      </p:nvGrpSpPr>
+      <p:grpSpPr>
+        <a:xfrm>
+          <a:off x="0" y="0"/>
+          <a:ext cx="0" cy="0"/>
+          <a:chOff x="0" y="0"/>
+          <a:chExt cx="0" cy="0"/>
+        </a:xfrm>
+      </p:grpSpPr>
+      <p:sp>
+        <p:nvSpPr>
+          <p:cNvPr id="2" name="Espace réservé de l'image des diapositives 1"/>
+          <p:cNvSpPr>
+            <a:spLocks noGrp="1" noRot="1" noChangeAspect="1"/>
+          </p:cNvSpPr>
+          <p:nvPr>
+            <p:ph type="sldImg"/>
+          </p:nvPr>
+        </p:nvSpPr>
+        <p:spPr/>
+      </p:sp>
+      <p:sp>
+        <p:nvSpPr>
+          <p:cNvPr id="3" name="Espace réservé des notes 2"/>
+          <p:cNvSpPr>
+            <a:spLocks noGrp="1"/>
+          </p:cNvSpPr>
+          <p:nvPr>
+            <p:ph type="body" idx="1"/>
+          </p:nvPr>
+        </p:nvSpPr>
+        <p:spPr/>
+        <p:txBody>
+          <a:bodyPr/>
+          <a:lstStyle/>
+          <a:p>
+            <a:endParaRPr lang="fr-FR"/>
+          </a:p>
+        </p:txBody>
+      </p:sp>
+      <p:sp>
+        <p:nvSpPr>
+          <p:cNvPr id="4" name="Espace réservé du numéro de diapositive 3"/>
+          <p:cNvSpPr>
+            <a:spLocks noGrp="1"/>
+          </p:cNvSpPr>
+          <p:nvPr>
+            <p:ph type="sldNum" sz="quarter" idx="5"/>
+          </p:nvPr>
+        </p:nvSpPr>
+        <p:spPr/>
+        <p:txBody>
+          <a:bodyPr/>
+          <a:lstStyle/>
+          <a:p>
+            <a:fld id="{A01EE043-3E22-450F-A2CD-2F4648AC2DBE}" type="slidenum">
+              <a:rPr lang="ru-RU" smtClean="0"/>
+              <a:pPr/>
+              <a:t>3</a:t>
+            </a:fld>
+            <a:endParaRPr lang="ru-RU"/>
+          </a:p>
+        </p:txBody>
+      </p:sp>
+    </p:spTree>
+    <p:extLst>
+      <p:ext uri="{BB962C8B-B14F-4D97-AF65-F5344CB8AC3E}">
+        <p14:creationId xmlns:p14="http://schemas.microsoft.com/office/powerpoint/2010/main" val="3362775433"/>
+      </p:ext>
+    </p:extLst>
+  </p:cSld>
+  <p:clrMapOvr>
+    <a:masterClrMapping/>
+  </p:clrMapOvr>
+</p:notes>
+</file>
+
+<file path=ppt/notesSlides/notesSlide4.xml><?xml version="1.0" encoding="utf-8"?>
+<p:notes xmlns:a="http://schemas.openxmlformats.org/drawingml/2006/main" xmlns:r="http://schemas.openxmlformats.org/officeDocument/2006/relationships" xmlns:p="http://schemas.openxmlformats.org/presentationml/2006/main">
+  <p:cSld>
+    <p:spTree>
+      <p:nvGrpSpPr>
+        <p:cNvPr id="1" name=""/>
+        <p:cNvGrpSpPr/>
+        <p:nvPr/>
+      </p:nvGrpSpPr>
+      <p:grpSpPr>
+        <a:xfrm>
+          <a:off x="0" y="0"/>
+          <a:ext cx="0" cy="0"/>
+          <a:chOff x="0" y="0"/>
+          <a:chExt cx="0" cy="0"/>
+        </a:xfrm>
+      </p:grpSpPr>
+      <p:sp>
+        <p:nvSpPr>
+          <p:cNvPr id="2" name="Espace réservé de l'image des diapositives 1"/>
+          <p:cNvSpPr>
+            <a:spLocks noGrp="1" noRot="1" noChangeAspect="1"/>
+          </p:cNvSpPr>
+          <p:nvPr>
+            <p:ph type="sldImg"/>
+          </p:nvPr>
+        </p:nvSpPr>
+        <p:spPr/>
+      </p:sp>
+      <p:sp>
+        <p:nvSpPr>
+          <p:cNvPr id="3" name="Espace réservé des notes 2"/>
+          <p:cNvSpPr>
+            <a:spLocks noGrp="1"/>
+          </p:cNvSpPr>
+          <p:nvPr>
+            <p:ph type="body" idx="1"/>
+          </p:nvPr>
+        </p:nvSpPr>
+        <p:spPr/>
+        <p:txBody>
+          <a:bodyPr/>
+          <a:lstStyle/>
+          <a:p>
+            <a:endParaRPr lang="fr-FR"/>
+          </a:p>
+        </p:txBody>
+      </p:sp>
+      <p:sp>
+        <p:nvSpPr>
+          <p:cNvPr id="4" name="Espace réservé du numéro de diapositive 3"/>
+          <p:cNvSpPr>
+            <a:spLocks noGrp="1"/>
+          </p:cNvSpPr>
+          <p:nvPr>
+            <p:ph type="sldNum" sz="quarter" idx="5"/>
+          </p:nvPr>
+        </p:nvSpPr>
+        <p:spPr/>
+        <p:txBody>
+          <a:bodyPr/>
+          <a:lstStyle/>
+          <a:p>
+            <a:fld id="{A01EE043-3E22-450F-A2CD-2F4648AC2DBE}" type="slidenum">
+              <a:rPr lang="ru-RU" smtClean="0"/>
+              <a:pPr/>
+              <a:t>4</a:t>
+            </a:fld>
+            <a:endParaRPr lang="ru-RU"/>
+          </a:p>
+        </p:txBody>
+      </p:sp>
+    </p:spTree>
+    <p:extLst>
+      <p:ext uri="{BB962C8B-B14F-4D97-AF65-F5344CB8AC3E}">
+        <p14:creationId xmlns:p14="http://schemas.microsoft.com/office/powerpoint/2010/main" val="1879790939"/>
+      </p:ext>
+    </p:extLst>
+  </p:cSld>
+  <p:clrMapOvr>
+    <a:masterClrMapping/>
+  </p:clrMapOvr>
+</p:notes>
+</file>
+
 <file path=ppt/slideLayouts/slideLayout1.xml><?xml version="1.0" encoding="utf-8"?>
 <p:sldLayout xmlns:a="http://schemas.openxmlformats.org/drawingml/2006/main" xmlns:r="http://schemas.openxmlformats.org/officeDocument/2006/relationships" xmlns:p="http://schemas.openxmlformats.org/presentationml/2006/main" type="title" preserve="1">
   <p:cSld name="Title Slide">
@@ -1282,6 +1741,10 @@
             </a:lvl1pPr>
           </a:lstStyle>
           <a:p>
+            <a:fld id="{76728B27-5054-47FF-91FE-6486402BF2DB}" type="datetime1">
+              <a:rPr lang="fr-FR" smtClean="0"/>
+              <a:t>23/01/2023</a:t>
+            </a:fld>
             <a:endParaRPr lang="ru-RU"/>
           </a:p>
         </p:txBody>
@@ -1450,7 +1913,44 @@
             <p:ph type="dt" sz="half" idx="10"/>
           </p:nvPr>
         </p:nvSpPr>
-        <p:spPr/>
+        <p:spPr>
+          <a:xfrm>
+            <a:off x="1835696" y="6525344"/>
+            <a:ext cx="1296144" cy="302022"/>
+          </a:xfrm>
+        </p:spPr>
+        <p:txBody>
+          <a:bodyPr/>
+          <a:lstStyle>
+            <a:lvl1pPr algn="ctr">
+              <a:defRPr/>
+            </a:lvl1pPr>
+          </a:lstStyle>
+          <a:p>
+            <a:fld id="{79CA17EF-EECB-4229-98C0-0133480FFCA5}" type="datetime1">
+              <a:rPr lang="fr-FR" smtClean="0"/>
+              <a:t>23/01/2023</a:t>
+            </a:fld>
+            <a:endParaRPr lang="ru-RU"/>
+          </a:p>
+        </p:txBody>
+      </p:sp>
+      <p:sp>
+        <p:nvSpPr>
+          <p:cNvPr id="5" name="Footer Placeholder 4"/>
+          <p:cNvSpPr>
+            <a:spLocks noGrp="1"/>
+          </p:cNvSpPr>
+          <p:nvPr>
+            <p:ph type="ftr" sz="quarter" idx="11"/>
+          </p:nvPr>
+        </p:nvSpPr>
+        <p:spPr>
+          <a:xfrm>
+            <a:off x="4139952" y="6525344"/>
+            <a:ext cx="2895600" cy="302022"/>
+          </a:xfrm>
+        </p:spPr>
         <p:txBody>
           <a:bodyPr/>
           <a:lstStyle>
@@ -1459,30 +1959,7 @@
             </a:lvl1pPr>
           </a:lstStyle>
           <a:p>
-            <a:endParaRPr lang="ru-RU"/>
-          </a:p>
-        </p:txBody>
-      </p:sp>
-      <p:sp>
-        <p:nvSpPr>
-          <p:cNvPr id="5" name="Footer Placeholder 4"/>
-          <p:cNvSpPr>
-            <a:spLocks noGrp="1"/>
-          </p:cNvSpPr>
-          <p:nvPr>
-            <p:ph type="ftr" sz="quarter" idx="11"/>
-          </p:nvPr>
-        </p:nvSpPr>
-        <p:spPr/>
-        <p:txBody>
-          <a:bodyPr/>
-          <a:lstStyle>
-            <a:lvl1pPr>
-              <a:defRPr/>
-            </a:lvl1pPr>
-          </a:lstStyle>
-          <a:p>
-            <a:endParaRPr lang="ru-RU"/>
+            <a:endParaRPr lang="ru-RU" dirty="0"/>
           </a:p>
         </p:txBody>
       </p:sp>
@@ -1496,7 +1973,12 @@
             <p:ph type="sldNum" sz="quarter" idx="12"/>
           </p:nvPr>
         </p:nvSpPr>
-        <p:spPr/>
+        <p:spPr>
+          <a:xfrm>
+            <a:off x="8306072" y="6525344"/>
+            <a:ext cx="586408" cy="302022"/>
+          </a:xfrm>
+        </p:spPr>
         <p:txBody>
           <a:bodyPr/>
           <a:lstStyle>
@@ -1659,6 +2141,10 @@
             </a:lvl1pPr>
           </a:lstStyle>
           <a:p>
+            <a:fld id="{7FDC6AD4-6E07-4406-88BE-B773C0962F68}" type="datetime1">
+              <a:rPr lang="fr-FR" smtClean="0"/>
+              <a:t>23/01/2023</a:t>
+            </a:fld>
             <a:endParaRPr lang="ru-RU"/>
           </a:p>
         </p:txBody>
@@ -1953,6 +2439,10 @@
             </a:lvl1pPr>
           </a:lstStyle>
           <a:p>
+            <a:fld id="{A1FF3F0D-7BE2-4037-9103-0557495470DD}" type="datetime1">
+              <a:rPr lang="fr-FR" smtClean="0"/>
+              <a:t>23/01/2023</a:t>
+            </a:fld>
             <a:endParaRPr lang="ru-RU"/>
           </a:p>
         </p:txBody>
@@ -2386,6 +2876,10 @@
             </a:lvl1pPr>
           </a:lstStyle>
           <a:p>
+            <a:fld id="{1BF8D8A1-E53D-4EEE-8DEE-1040FB57252C}" type="datetime1">
+              <a:rPr lang="fr-FR" smtClean="0"/>
+              <a:t>23/01/2023</a:t>
+            </a:fld>
             <a:endParaRPr lang="ru-RU"/>
           </a:p>
         </p:txBody>
@@ -2512,6 +3006,10 @@
             </a:lvl1pPr>
           </a:lstStyle>
           <a:p>
+            <a:fld id="{BA884342-D3ED-4553-B21B-3B330718EDB1}" type="datetime1">
+              <a:rPr lang="fr-FR" smtClean="0"/>
+              <a:t>23/01/2023</a:t>
+            </a:fld>
             <a:endParaRPr lang="ru-RU"/>
           </a:p>
         </p:txBody>
@@ -2616,6 +3114,10 @@
             </a:lvl1pPr>
           </a:lstStyle>
           <a:p>
+            <a:fld id="{A6E6E9D2-F13D-4CC3-870D-2051385FF9AF}" type="datetime1">
+              <a:rPr lang="fr-FR" smtClean="0"/>
+              <a:t>23/01/2023</a:t>
+            </a:fld>
             <a:endParaRPr lang="ru-RU"/>
           </a:p>
         </p:txBody>
@@ -2900,6 +3402,10 @@
             </a:lvl1pPr>
           </a:lstStyle>
           <a:p>
+            <a:fld id="{26A4E079-BEC6-4827-898F-1D6491AA8DCA}" type="datetime1">
+              <a:rPr lang="fr-FR" smtClean="0"/>
+              <a:t>23/01/2023</a:t>
+            </a:fld>
             <a:endParaRPr lang="ru-RU"/>
           </a:p>
         </p:txBody>
@@ -3264,6 +3770,10 @@
             </a:lvl1pPr>
           </a:lstStyle>
           <a:p>
+            <a:fld id="{C2581F14-4674-4B0E-AE4E-8770B0BF0C09}" type="datetime1">
+              <a:rPr lang="fr-FR" smtClean="0"/>
+              <a:t>23/01/2023</a:t>
+            </a:fld>
             <a:endParaRPr lang="ru-RU"/>
           </a:p>
         </p:txBody>
@@ -3441,6 +3951,10 @@
             </a:lvl1pPr>
           </a:lstStyle>
           <a:p>
+            <a:fld id="{A955EFB7-BE19-42F6-9212-EACAC3B53770}" type="datetime1">
+              <a:rPr lang="fr-FR" smtClean="0"/>
+              <a:t>23/01/2023</a:t>
+            </a:fld>
             <a:endParaRPr lang="ru-RU"/>
           </a:p>
         </p:txBody>
@@ -3628,6 +4142,10 @@
             </a:lvl1pPr>
           </a:lstStyle>
           <a:p>
+            <a:fld id="{75DAD4A2-23BF-4853-B3C5-5523E8009CAC}" type="datetime1">
+              <a:rPr lang="fr-FR" smtClean="0"/>
+              <a:t>23/01/2023</a:t>
+            </a:fld>
             <a:endParaRPr lang="ru-RU"/>
           </a:p>
         </p:txBody>
@@ -5078,6 +5596,138 @@
           </a:p>
         </p:txBody>
       </p:sp>
+      <p:sp>
+        <p:nvSpPr>
+          <p:cNvPr id="2" name="Espace réservé de la date 1">
+            <a:extLst>
+              <a:ext uri="{FF2B5EF4-FFF2-40B4-BE49-F238E27FC236}">
+                <a16:creationId xmlns:a16="http://schemas.microsoft.com/office/drawing/2014/main" id="{3B7FEECB-0E74-0FBC-80CA-7EBB8FE18876}"/>
+              </a:ext>
+            </a:extLst>
+          </p:cNvPr>
+          <p:cNvSpPr>
+            <a:spLocks noGrp="1"/>
+          </p:cNvSpPr>
+          <p:nvPr>
+            <p:ph type="dt" sz="half" idx="2"/>
+          </p:nvPr>
+        </p:nvSpPr>
+        <p:spPr>
+          <a:xfrm>
+            <a:off x="628650" y="6525344"/>
+            <a:ext cx="2057400" cy="288032"/>
+          </a:xfrm>
+          <a:prstGeom prst="rect">
+            <a:avLst/>
+          </a:prstGeom>
+        </p:spPr>
+        <p:txBody>
+          <a:bodyPr vert="horz" lIns="91440" tIns="45720" rIns="91440" bIns="45720" rtlCol="0" anchor="ctr"/>
+          <a:lstStyle>
+            <a:lvl1pPr algn="l">
+              <a:defRPr sz="1200">
+                <a:solidFill>
+                  <a:schemeClr val="tx2"/>
+                </a:solidFill>
+              </a:defRPr>
+            </a:lvl1pPr>
+          </a:lstStyle>
+          <a:p>
+            <a:fld id="{C9B42BE6-5ECC-4154-9AF6-680BCEB57E5F}" type="datetime1">
+              <a:rPr lang="fr-FR" smtClean="0"/>
+              <a:t>23/01/2023</a:t>
+            </a:fld>
+            <a:endParaRPr lang="fr-FR"/>
+          </a:p>
+        </p:txBody>
+      </p:sp>
+      <p:sp>
+        <p:nvSpPr>
+          <p:cNvPr id="3" name="Espace réservé du pied de page 2">
+            <a:extLst>
+              <a:ext uri="{FF2B5EF4-FFF2-40B4-BE49-F238E27FC236}">
+                <a16:creationId xmlns:a16="http://schemas.microsoft.com/office/drawing/2014/main" id="{800BEA68-C4D5-5D29-011C-D38E22505890}"/>
+              </a:ext>
+            </a:extLst>
+          </p:cNvPr>
+          <p:cNvSpPr>
+            <a:spLocks noGrp="1"/>
+          </p:cNvSpPr>
+          <p:nvPr>
+            <p:ph type="ftr" sz="quarter" idx="3"/>
+          </p:nvPr>
+        </p:nvSpPr>
+        <p:spPr>
+          <a:xfrm>
+            <a:off x="3028950" y="6525344"/>
+            <a:ext cx="3086100" cy="288032"/>
+          </a:xfrm>
+          <a:prstGeom prst="rect">
+            <a:avLst/>
+          </a:prstGeom>
+        </p:spPr>
+        <p:txBody>
+          <a:bodyPr vert="horz" lIns="91440" tIns="45720" rIns="91440" bIns="45720" rtlCol="0" anchor="ctr"/>
+          <a:lstStyle>
+            <a:lvl1pPr algn="ctr">
+              <a:defRPr sz="1200">
+                <a:solidFill>
+                  <a:schemeClr val="tx2"/>
+                </a:solidFill>
+              </a:defRPr>
+            </a:lvl1pPr>
+          </a:lstStyle>
+          <a:p>
+            <a:endParaRPr lang="fr-FR"/>
+          </a:p>
+        </p:txBody>
+      </p:sp>
+      <p:sp>
+        <p:nvSpPr>
+          <p:cNvPr id="4" name="Espace réservé du numéro de diapositive 3">
+            <a:extLst>
+              <a:ext uri="{FF2B5EF4-FFF2-40B4-BE49-F238E27FC236}">
+                <a16:creationId xmlns:a16="http://schemas.microsoft.com/office/drawing/2014/main" id="{F7FE07F2-FDB6-5046-ADB7-52BB115890D0}"/>
+              </a:ext>
+            </a:extLst>
+          </p:cNvPr>
+          <p:cNvSpPr>
+            <a:spLocks noGrp="1"/>
+          </p:cNvSpPr>
+          <p:nvPr>
+            <p:ph type="sldNum" sz="quarter" idx="4"/>
+          </p:nvPr>
+        </p:nvSpPr>
+        <p:spPr>
+          <a:xfrm>
+            <a:off x="6457950" y="6525344"/>
+            <a:ext cx="2057400" cy="288032"/>
+          </a:xfrm>
+          <a:prstGeom prst="rect">
+            <a:avLst/>
+          </a:prstGeom>
+        </p:spPr>
+        <p:txBody>
+          <a:bodyPr vert="horz" lIns="91440" tIns="45720" rIns="91440" bIns="45720" rtlCol="0" anchor="ctr"/>
+          <a:lstStyle>
+            <a:lvl1pPr algn="r">
+              <a:defRPr sz="1200">
+                <a:solidFill>
+                  <a:schemeClr val="tx2"/>
+                </a:solidFill>
+              </a:defRPr>
+            </a:lvl1pPr>
+          </a:lstStyle>
+          <a:p>
+            <a:fld id="{9D83B8C6-BCE7-4B40-AB0E-60EAB9FED985}" type="slidenum">
+              <a:rPr lang="fr-FR" smtClean="0"/>
+              <a:pPr/>
+              <a:t>‹N°›</a:t>
+            </a:fld>
+            <a:endParaRPr lang="fr-FR"/>
+          </a:p>
+        </p:txBody>
+      </p:sp>
     </p:spTree>
   </p:cSld>
   <p:clrMap bg1="lt1" tx1="dk1" bg2="lt2" tx2="dk2" accent1="accent1" accent2="accent2" accent3="accent3" accent4="accent4" accent5="accent5" accent6="accent6" hlink="hlink" folHlink="folHlink"/>
@@ -5094,6 +5744,7 @@
     <p:sldLayoutId id="2147483659" r:id="rId10"/>
     <p:sldLayoutId id="2147483660" r:id="rId11"/>
   </p:sldLayoutIdLst>
+  <p:hf hdr="0"/>
   <p:txStyles>
     <p:titleStyle>
       <a:lvl1pPr algn="l" rtl="0" eaLnBrk="1" fontAlgn="base" hangingPunct="1">
@@ -5733,6 +6384,10 @@
             </a:lvl1pPr>
           </a:lstStyle>
           <a:p>
+            <a:fld id="{523EFA13-DEA4-4658-914C-F45CEB106F2C}" type="datetime1">
+              <a:rPr lang="fr-FR" smtClean="0"/>
+              <a:t>23/01/2023</a:t>
+            </a:fld>
             <a:endParaRPr lang="ru-RU"/>
           </a:p>
         </p:txBody>
@@ -5904,6 +6559,7 @@
     <p:sldLayoutId id="2147483670" r:id="rId10"/>
     <p:sldLayoutId id="2147483671" r:id="rId11"/>
   </p:sldLayoutIdLst>
+  <p:hf hdr="0"/>
   <p:txStyles>
     <p:titleStyle>
       <a:lvl1pPr algn="l" rtl="0" fontAlgn="base">
@@ -6319,7 +6975,7 @@
           <a:lstStyle/>
           <a:p>
             <a:r>
-              <a:rPr lang="en-US" dirty="0">
+              <a:rPr lang="en-US" sz="4800" dirty="0">
                 <a:latin typeface="Open Sans" pitchFamily="2" charset="0"/>
                 <a:ea typeface="Open Sans" pitchFamily="2" charset="0"/>
                 <a:cs typeface="Open Sans" pitchFamily="2" charset="0"/>
@@ -6352,7 +7008,7 @@
           <a:lstStyle/>
           <a:p>
             <a:r>
-              <a:rPr lang="fr-FR" dirty="0">
+              <a:rPr lang="fr-FR" sz="2800" dirty="0">
                 <a:latin typeface="Open Sans" pitchFamily="2" charset="0"/>
                 <a:ea typeface="Open Sans" pitchFamily="2" charset="0"/>
                 <a:cs typeface="Open Sans" pitchFamily="2" charset="0"/>
@@ -6360,14 +7016,14 @@
               <a:t>Projet</a:t>
             </a:r>
             <a:r>
-              <a:rPr lang="en-US" dirty="0">
+              <a:rPr lang="en-US" sz="2800" dirty="0">
                 <a:latin typeface="Open Sans" pitchFamily="2" charset="0"/>
                 <a:ea typeface="Open Sans" pitchFamily="2" charset="0"/>
                 <a:cs typeface="Open Sans" pitchFamily="2" charset="0"/>
               </a:rPr>
               <a:t> BDR</a:t>
             </a:r>
-            <a:endParaRPr lang="ru-RU" dirty="0">
+            <a:endParaRPr lang="ru-RU" sz="2800" dirty="0">
               <a:latin typeface="Open Sans" pitchFamily="2" charset="0"/>
               <a:ea typeface="Open Sans" pitchFamily="2" charset="0"/>
               <a:cs typeface="Open Sans" pitchFamily="2" charset="0"/>
@@ -6484,6 +7140,536 @@
           </a:p>
         </p:txBody>
       </p:sp>
+      <p:sp>
+        <p:nvSpPr>
+          <p:cNvPr id="5" name="Espace réservé de la date 1">
+            <a:extLst>
+              <a:ext uri="{FF2B5EF4-FFF2-40B4-BE49-F238E27FC236}">
+                <a16:creationId xmlns:a16="http://schemas.microsoft.com/office/drawing/2014/main" id="{6A030511-C628-91EE-2D40-E38D059CED66}"/>
+              </a:ext>
+            </a:extLst>
+          </p:cNvPr>
+          <p:cNvSpPr txBox="1">
+            <a:spLocks/>
+          </p:cNvSpPr>
+          <p:nvPr/>
+        </p:nvSpPr>
+        <p:spPr>
+          <a:xfrm>
+            <a:off x="1908175" y="6509592"/>
+            <a:ext cx="1656184" cy="302021"/>
+          </a:xfrm>
+          <a:prstGeom prst="rect">
+            <a:avLst/>
+          </a:prstGeom>
+        </p:spPr>
+        <p:txBody>
+          <a:bodyPr/>
+          <a:lstStyle>
+            <a:defPPr>
+              <a:defRPr lang="ru-RU"/>
+            </a:defPPr>
+            <a:lvl1pPr algn="l" rtl="0" fontAlgn="base">
+              <a:spcBef>
+                <a:spcPct val="0"/>
+              </a:spcBef>
+              <a:spcAft>
+                <a:spcPct val="0"/>
+              </a:spcAft>
+              <a:defRPr sz="2000" kern="1200">
+                <a:solidFill>
+                  <a:schemeClr val="bg1"/>
+                </a:solidFill>
+                <a:latin typeface="Futura LT Book" pitchFamily="2" charset="0"/>
+                <a:ea typeface="굴림" charset="-127"/>
+                <a:cs typeface="+mn-cs"/>
+              </a:defRPr>
+            </a:lvl1pPr>
+            <a:lvl2pPr marL="457200" algn="l" rtl="0" fontAlgn="base">
+              <a:spcBef>
+                <a:spcPct val="0"/>
+              </a:spcBef>
+              <a:spcAft>
+                <a:spcPct val="0"/>
+              </a:spcAft>
+              <a:defRPr sz="2000" kern="1200">
+                <a:solidFill>
+                  <a:schemeClr val="bg1"/>
+                </a:solidFill>
+                <a:latin typeface="Futura LT Book" pitchFamily="2" charset="0"/>
+                <a:ea typeface="굴림" charset="-127"/>
+                <a:cs typeface="+mn-cs"/>
+              </a:defRPr>
+            </a:lvl2pPr>
+            <a:lvl3pPr marL="914400" algn="l" rtl="0" fontAlgn="base">
+              <a:spcBef>
+                <a:spcPct val="0"/>
+              </a:spcBef>
+              <a:spcAft>
+                <a:spcPct val="0"/>
+              </a:spcAft>
+              <a:defRPr sz="2000" kern="1200">
+                <a:solidFill>
+                  <a:schemeClr val="bg1"/>
+                </a:solidFill>
+                <a:latin typeface="Futura LT Book" pitchFamily="2" charset="0"/>
+                <a:ea typeface="굴림" charset="-127"/>
+                <a:cs typeface="+mn-cs"/>
+              </a:defRPr>
+            </a:lvl3pPr>
+            <a:lvl4pPr marL="1371600" algn="l" rtl="0" fontAlgn="base">
+              <a:spcBef>
+                <a:spcPct val="0"/>
+              </a:spcBef>
+              <a:spcAft>
+                <a:spcPct val="0"/>
+              </a:spcAft>
+              <a:defRPr sz="2000" kern="1200">
+                <a:solidFill>
+                  <a:schemeClr val="bg1"/>
+                </a:solidFill>
+                <a:latin typeface="Futura LT Book" pitchFamily="2" charset="0"/>
+                <a:ea typeface="굴림" charset="-127"/>
+                <a:cs typeface="+mn-cs"/>
+              </a:defRPr>
+            </a:lvl4pPr>
+            <a:lvl5pPr marL="1828800" algn="l" rtl="0" fontAlgn="base">
+              <a:spcBef>
+                <a:spcPct val="0"/>
+              </a:spcBef>
+              <a:spcAft>
+                <a:spcPct val="0"/>
+              </a:spcAft>
+              <a:defRPr sz="2000" kern="1200">
+                <a:solidFill>
+                  <a:schemeClr val="bg1"/>
+                </a:solidFill>
+                <a:latin typeface="Futura LT Book" pitchFamily="2" charset="0"/>
+                <a:ea typeface="굴림" charset="-127"/>
+                <a:cs typeface="+mn-cs"/>
+              </a:defRPr>
+            </a:lvl5pPr>
+            <a:lvl6pPr marL="2286000" algn="l" defTabSz="914400" rtl="0" eaLnBrk="1" latinLnBrk="0" hangingPunct="1">
+              <a:defRPr sz="2000" kern="1200">
+                <a:solidFill>
+                  <a:schemeClr val="bg1"/>
+                </a:solidFill>
+                <a:latin typeface="Futura LT Book" pitchFamily="2" charset="0"/>
+                <a:ea typeface="굴림" charset="-127"/>
+                <a:cs typeface="+mn-cs"/>
+              </a:defRPr>
+            </a:lvl6pPr>
+            <a:lvl7pPr marL="2743200" algn="l" defTabSz="914400" rtl="0" eaLnBrk="1" latinLnBrk="0" hangingPunct="1">
+              <a:defRPr sz="2000" kern="1200">
+                <a:solidFill>
+                  <a:schemeClr val="bg1"/>
+                </a:solidFill>
+                <a:latin typeface="Futura LT Book" pitchFamily="2" charset="0"/>
+                <a:ea typeface="굴림" charset="-127"/>
+                <a:cs typeface="+mn-cs"/>
+              </a:defRPr>
+            </a:lvl7pPr>
+            <a:lvl8pPr marL="3200400" algn="l" defTabSz="914400" rtl="0" eaLnBrk="1" latinLnBrk="0" hangingPunct="1">
+              <a:defRPr sz="2000" kern="1200">
+                <a:solidFill>
+                  <a:schemeClr val="bg1"/>
+                </a:solidFill>
+                <a:latin typeface="Futura LT Book" pitchFamily="2" charset="0"/>
+                <a:ea typeface="굴림" charset="-127"/>
+                <a:cs typeface="+mn-cs"/>
+              </a:defRPr>
+            </a:lvl8pPr>
+            <a:lvl9pPr marL="3657600" algn="l" defTabSz="914400" rtl="0" eaLnBrk="1" latinLnBrk="0" hangingPunct="1">
+              <a:defRPr sz="2000" kern="1200">
+                <a:solidFill>
+                  <a:schemeClr val="bg1"/>
+                </a:solidFill>
+                <a:latin typeface="Futura LT Book" pitchFamily="2" charset="0"/>
+                <a:ea typeface="굴림" charset="-127"/>
+                <a:cs typeface="+mn-cs"/>
+              </a:defRPr>
+            </a:lvl9pPr>
+          </a:lstStyle>
+          <a:p>
+            <a:fld id="{DE689F20-F847-4534-8E47-71A18D083FC1}" type="datetime1">
+              <a:rPr lang="fr-FR" sz="1600" smtClean="0">
+                <a:solidFill>
+                  <a:schemeClr val="tx2">
+                    <a:lumMod val="85000"/>
+                    <a:lumOff val="15000"/>
+                  </a:schemeClr>
+                </a:solidFill>
+                <a:latin typeface="Open Sans" pitchFamily="2" charset="0"/>
+                <a:ea typeface="Open Sans" pitchFamily="2" charset="0"/>
+                <a:cs typeface="Open Sans" pitchFamily="2" charset="0"/>
+              </a:rPr>
+              <a:pPr/>
+              <a:t>23/01/2023</a:t>
+            </a:fld>
+            <a:endParaRPr lang="ru-RU" sz="1600" dirty="0">
+              <a:solidFill>
+                <a:schemeClr val="tx2">
+                  <a:lumMod val="85000"/>
+                  <a:lumOff val="15000"/>
+                </a:schemeClr>
+              </a:solidFill>
+              <a:latin typeface="Open Sans" pitchFamily="2" charset="0"/>
+              <a:ea typeface="Open Sans" pitchFamily="2" charset="0"/>
+              <a:cs typeface="Open Sans" pitchFamily="2" charset="0"/>
+            </a:endParaRPr>
+          </a:p>
+        </p:txBody>
+      </p:sp>
+      <p:sp>
+        <p:nvSpPr>
+          <p:cNvPr id="6" name="Espace réservé du pied de page 2">
+            <a:extLst>
+              <a:ext uri="{FF2B5EF4-FFF2-40B4-BE49-F238E27FC236}">
+                <a16:creationId xmlns:a16="http://schemas.microsoft.com/office/drawing/2014/main" id="{6E9B4D30-0349-2605-D96E-8352086D8D62}"/>
+              </a:ext>
+            </a:extLst>
+          </p:cNvPr>
+          <p:cNvSpPr txBox="1">
+            <a:spLocks/>
+          </p:cNvSpPr>
+          <p:nvPr/>
+        </p:nvSpPr>
+        <p:spPr>
+          <a:xfrm>
+            <a:off x="3779912" y="6527057"/>
+            <a:ext cx="3699933" cy="302021"/>
+          </a:xfrm>
+          <a:prstGeom prst="rect">
+            <a:avLst/>
+          </a:prstGeom>
+        </p:spPr>
+        <p:txBody>
+          <a:bodyPr/>
+          <a:lstStyle>
+            <a:defPPr>
+              <a:defRPr lang="ru-RU"/>
+            </a:defPPr>
+            <a:lvl1pPr algn="l" rtl="0" fontAlgn="base">
+              <a:spcBef>
+                <a:spcPct val="0"/>
+              </a:spcBef>
+              <a:spcAft>
+                <a:spcPct val="0"/>
+              </a:spcAft>
+              <a:defRPr sz="2000" kern="1200">
+                <a:solidFill>
+                  <a:schemeClr val="bg1"/>
+                </a:solidFill>
+                <a:latin typeface="Futura LT Book" pitchFamily="2" charset="0"/>
+                <a:ea typeface="굴림" charset="-127"/>
+                <a:cs typeface="+mn-cs"/>
+              </a:defRPr>
+            </a:lvl1pPr>
+            <a:lvl2pPr marL="457200" algn="l" rtl="0" fontAlgn="base">
+              <a:spcBef>
+                <a:spcPct val="0"/>
+              </a:spcBef>
+              <a:spcAft>
+                <a:spcPct val="0"/>
+              </a:spcAft>
+              <a:defRPr sz="2000" kern="1200">
+                <a:solidFill>
+                  <a:schemeClr val="bg1"/>
+                </a:solidFill>
+                <a:latin typeface="Futura LT Book" pitchFamily="2" charset="0"/>
+                <a:ea typeface="굴림" charset="-127"/>
+                <a:cs typeface="+mn-cs"/>
+              </a:defRPr>
+            </a:lvl2pPr>
+            <a:lvl3pPr marL="914400" algn="l" rtl="0" fontAlgn="base">
+              <a:spcBef>
+                <a:spcPct val="0"/>
+              </a:spcBef>
+              <a:spcAft>
+                <a:spcPct val="0"/>
+              </a:spcAft>
+              <a:defRPr sz="2000" kern="1200">
+                <a:solidFill>
+                  <a:schemeClr val="bg1"/>
+                </a:solidFill>
+                <a:latin typeface="Futura LT Book" pitchFamily="2" charset="0"/>
+                <a:ea typeface="굴림" charset="-127"/>
+                <a:cs typeface="+mn-cs"/>
+              </a:defRPr>
+            </a:lvl3pPr>
+            <a:lvl4pPr marL="1371600" algn="l" rtl="0" fontAlgn="base">
+              <a:spcBef>
+                <a:spcPct val="0"/>
+              </a:spcBef>
+              <a:spcAft>
+                <a:spcPct val="0"/>
+              </a:spcAft>
+              <a:defRPr sz="2000" kern="1200">
+                <a:solidFill>
+                  <a:schemeClr val="bg1"/>
+                </a:solidFill>
+                <a:latin typeface="Futura LT Book" pitchFamily="2" charset="0"/>
+                <a:ea typeface="굴림" charset="-127"/>
+                <a:cs typeface="+mn-cs"/>
+              </a:defRPr>
+            </a:lvl4pPr>
+            <a:lvl5pPr marL="1828800" algn="l" rtl="0" fontAlgn="base">
+              <a:spcBef>
+                <a:spcPct val="0"/>
+              </a:spcBef>
+              <a:spcAft>
+                <a:spcPct val="0"/>
+              </a:spcAft>
+              <a:defRPr sz="2000" kern="1200">
+                <a:solidFill>
+                  <a:schemeClr val="bg1"/>
+                </a:solidFill>
+                <a:latin typeface="Futura LT Book" pitchFamily="2" charset="0"/>
+                <a:ea typeface="굴림" charset="-127"/>
+                <a:cs typeface="+mn-cs"/>
+              </a:defRPr>
+            </a:lvl5pPr>
+            <a:lvl6pPr marL="2286000" algn="l" defTabSz="914400" rtl="0" eaLnBrk="1" latinLnBrk="0" hangingPunct="1">
+              <a:defRPr sz="2000" kern="1200">
+                <a:solidFill>
+                  <a:schemeClr val="bg1"/>
+                </a:solidFill>
+                <a:latin typeface="Futura LT Book" pitchFamily="2" charset="0"/>
+                <a:ea typeface="굴림" charset="-127"/>
+                <a:cs typeface="+mn-cs"/>
+              </a:defRPr>
+            </a:lvl6pPr>
+            <a:lvl7pPr marL="2743200" algn="l" defTabSz="914400" rtl="0" eaLnBrk="1" latinLnBrk="0" hangingPunct="1">
+              <a:defRPr sz="2000" kern="1200">
+                <a:solidFill>
+                  <a:schemeClr val="bg1"/>
+                </a:solidFill>
+                <a:latin typeface="Futura LT Book" pitchFamily="2" charset="0"/>
+                <a:ea typeface="굴림" charset="-127"/>
+                <a:cs typeface="+mn-cs"/>
+              </a:defRPr>
+            </a:lvl7pPr>
+            <a:lvl8pPr marL="3200400" algn="l" defTabSz="914400" rtl="0" eaLnBrk="1" latinLnBrk="0" hangingPunct="1">
+              <a:defRPr sz="2000" kern="1200">
+                <a:solidFill>
+                  <a:schemeClr val="bg1"/>
+                </a:solidFill>
+                <a:latin typeface="Futura LT Book" pitchFamily="2" charset="0"/>
+                <a:ea typeface="굴림" charset="-127"/>
+                <a:cs typeface="+mn-cs"/>
+              </a:defRPr>
+            </a:lvl8pPr>
+            <a:lvl9pPr marL="3657600" algn="l" defTabSz="914400" rtl="0" eaLnBrk="1" latinLnBrk="0" hangingPunct="1">
+              <a:defRPr sz="2000" kern="1200">
+                <a:solidFill>
+                  <a:schemeClr val="bg1"/>
+                </a:solidFill>
+                <a:latin typeface="Futura LT Book" pitchFamily="2" charset="0"/>
+                <a:ea typeface="굴림" charset="-127"/>
+                <a:cs typeface="+mn-cs"/>
+              </a:defRPr>
+            </a:lvl9pPr>
+          </a:lstStyle>
+          <a:p>
+            <a:pPr algn="ctr"/>
+            <a:r>
+              <a:rPr lang="fr-FR" sz="1600" dirty="0">
+                <a:solidFill>
+                  <a:schemeClr val="tx2">
+                    <a:lumMod val="85000"/>
+                    <a:lumOff val="15000"/>
+                  </a:schemeClr>
+                </a:solidFill>
+                <a:latin typeface="Open Sans" pitchFamily="2" charset="0"/>
+                <a:ea typeface="Open Sans" pitchFamily="2" charset="0"/>
+                <a:cs typeface="Open Sans" pitchFamily="2" charset="0"/>
+              </a:rPr>
+              <a:t>Projet BDR</a:t>
+            </a:r>
+          </a:p>
+        </p:txBody>
+      </p:sp>
+      <p:sp>
+        <p:nvSpPr>
+          <p:cNvPr id="7" name="Espace réservé du numéro de diapositive 3">
+            <a:extLst>
+              <a:ext uri="{FF2B5EF4-FFF2-40B4-BE49-F238E27FC236}">
+                <a16:creationId xmlns:a16="http://schemas.microsoft.com/office/drawing/2014/main" id="{0299A01F-7A52-FC2D-009F-795E655B6E51}"/>
+              </a:ext>
+            </a:extLst>
+          </p:cNvPr>
+          <p:cNvSpPr txBox="1">
+            <a:spLocks/>
+          </p:cNvSpPr>
+          <p:nvPr/>
+        </p:nvSpPr>
+        <p:spPr>
+          <a:xfrm>
+            <a:off x="8422072" y="6525344"/>
+            <a:ext cx="504056" cy="302022"/>
+          </a:xfrm>
+          <a:prstGeom prst="rect">
+            <a:avLst/>
+          </a:prstGeom>
+        </p:spPr>
+        <p:txBody>
+          <a:bodyPr/>
+          <a:lstStyle>
+            <a:defPPr>
+              <a:defRPr lang="ru-RU"/>
+            </a:defPPr>
+            <a:lvl1pPr algn="l" rtl="0" fontAlgn="base">
+              <a:spcBef>
+                <a:spcPct val="0"/>
+              </a:spcBef>
+              <a:spcAft>
+                <a:spcPct val="0"/>
+              </a:spcAft>
+              <a:defRPr sz="2000" kern="1200">
+                <a:solidFill>
+                  <a:schemeClr val="bg1"/>
+                </a:solidFill>
+                <a:latin typeface="Futura LT Book" pitchFamily="2" charset="0"/>
+                <a:ea typeface="굴림" charset="-127"/>
+                <a:cs typeface="+mn-cs"/>
+              </a:defRPr>
+            </a:lvl1pPr>
+            <a:lvl2pPr marL="457200" algn="l" rtl="0" fontAlgn="base">
+              <a:spcBef>
+                <a:spcPct val="0"/>
+              </a:spcBef>
+              <a:spcAft>
+                <a:spcPct val="0"/>
+              </a:spcAft>
+              <a:defRPr sz="2000" kern="1200">
+                <a:solidFill>
+                  <a:schemeClr val="bg1"/>
+                </a:solidFill>
+                <a:latin typeface="Futura LT Book" pitchFamily="2" charset="0"/>
+                <a:ea typeface="굴림" charset="-127"/>
+                <a:cs typeface="+mn-cs"/>
+              </a:defRPr>
+            </a:lvl2pPr>
+            <a:lvl3pPr marL="914400" algn="l" rtl="0" fontAlgn="base">
+              <a:spcBef>
+                <a:spcPct val="0"/>
+              </a:spcBef>
+              <a:spcAft>
+                <a:spcPct val="0"/>
+              </a:spcAft>
+              <a:defRPr sz="2000" kern="1200">
+                <a:solidFill>
+                  <a:schemeClr val="bg1"/>
+                </a:solidFill>
+                <a:latin typeface="Futura LT Book" pitchFamily="2" charset="0"/>
+                <a:ea typeface="굴림" charset="-127"/>
+                <a:cs typeface="+mn-cs"/>
+              </a:defRPr>
+            </a:lvl3pPr>
+            <a:lvl4pPr marL="1371600" algn="l" rtl="0" fontAlgn="base">
+              <a:spcBef>
+                <a:spcPct val="0"/>
+              </a:spcBef>
+              <a:spcAft>
+                <a:spcPct val="0"/>
+              </a:spcAft>
+              <a:defRPr sz="2000" kern="1200">
+                <a:solidFill>
+                  <a:schemeClr val="bg1"/>
+                </a:solidFill>
+                <a:latin typeface="Futura LT Book" pitchFamily="2" charset="0"/>
+                <a:ea typeface="굴림" charset="-127"/>
+                <a:cs typeface="+mn-cs"/>
+              </a:defRPr>
+            </a:lvl4pPr>
+            <a:lvl5pPr marL="1828800" algn="l" rtl="0" fontAlgn="base">
+              <a:spcBef>
+                <a:spcPct val="0"/>
+              </a:spcBef>
+              <a:spcAft>
+                <a:spcPct val="0"/>
+              </a:spcAft>
+              <a:defRPr sz="2000" kern="1200">
+                <a:solidFill>
+                  <a:schemeClr val="bg1"/>
+                </a:solidFill>
+                <a:latin typeface="Futura LT Book" pitchFamily="2" charset="0"/>
+                <a:ea typeface="굴림" charset="-127"/>
+                <a:cs typeface="+mn-cs"/>
+              </a:defRPr>
+            </a:lvl5pPr>
+            <a:lvl6pPr marL="2286000" algn="l" defTabSz="914400" rtl="0" eaLnBrk="1" latinLnBrk="0" hangingPunct="1">
+              <a:defRPr sz="2000" kern="1200">
+                <a:solidFill>
+                  <a:schemeClr val="bg1"/>
+                </a:solidFill>
+                <a:latin typeface="Futura LT Book" pitchFamily="2" charset="0"/>
+                <a:ea typeface="굴림" charset="-127"/>
+                <a:cs typeface="+mn-cs"/>
+              </a:defRPr>
+            </a:lvl6pPr>
+            <a:lvl7pPr marL="2743200" algn="l" defTabSz="914400" rtl="0" eaLnBrk="1" latinLnBrk="0" hangingPunct="1">
+              <a:defRPr sz="2000" kern="1200">
+                <a:solidFill>
+                  <a:schemeClr val="bg1"/>
+                </a:solidFill>
+                <a:latin typeface="Futura LT Book" pitchFamily="2" charset="0"/>
+                <a:ea typeface="굴림" charset="-127"/>
+                <a:cs typeface="+mn-cs"/>
+              </a:defRPr>
+            </a:lvl7pPr>
+            <a:lvl8pPr marL="3200400" algn="l" defTabSz="914400" rtl="0" eaLnBrk="1" latinLnBrk="0" hangingPunct="1">
+              <a:defRPr sz="2000" kern="1200">
+                <a:solidFill>
+                  <a:schemeClr val="bg1"/>
+                </a:solidFill>
+                <a:latin typeface="Futura LT Book" pitchFamily="2" charset="0"/>
+                <a:ea typeface="굴림" charset="-127"/>
+                <a:cs typeface="+mn-cs"/>
+              </a:defRPr>
+            </a:lvl8pPr>
+            <a:lvl9pPr marL="3657600" algn="l" defTabSz="914400" rtl="0" eaLnBrk="1" latinLnBrk="0" hangingPunct="1">
+              <a:defRPr sz="2000" kern="1200">
+                <a:solidFill>
+                  <a:schemeClr val="bg1"/>
+                </a:solidFill>
+                <a:latin typeface="Futura LT Book" pitchFamily="2" charset="0"/>
+                <a:ea typeface="굴림" charset="-127"/>
+                <a:cs typeface="+mn-cs"/>
+              </a:defRPr>
+            </a:lvl9pPr>
+          </a:lstStyle>
+          <a:p>
+            <a:pPr algn="r"/>
+            <a:fld id="{F3C024E0-34B0-439A-B45D-DA3346595B08}" type="slidenum">
+              <a:rPr lang="ru-RU" sz="1600" smtClean="0">
+                <a:solidFill>
+                  <a:schemeClr val="tx2">
+                    <a:lumMod val="85000"/>
+                    <a:lumOff val="15000"/>
+                  </a:schemeClr>
+                </a:solidFill>
+                <a:latin typeface="Open Sans" pitchFamily="2" charset="0"/>
+                <a:ea typeface="Open Sans" pitchFamily="2" charset="0"/>
+                <a:cs typeface="Open Sans" pitchFamily="2" charset="0"/>
+              </a:rPr>
+              <a:pPr algn="r"/>
+              <a:t>2</a:t>
+            </a:fld>
+            <a:endParaRPr lang="ru-RU" sz="1600" dirty="0">
+              <a:solidFill>
+                <a:schemeClr val="tx2">
+                  <a:lumMod val="85000"/>
+                  <a:lumOff val="15000"/>
+                </a:schemeClr>
+              </a:solidFill>
+              <a:latin typeface="Open Sans" pitchFamily="2" charset="0"/>
+              <a:ea typeface="Open Sans" pitchFamily="2" charset="0"/>
+              <a:cs typeface="Open Sans" pitchFamily="2" charset="0"/>
+            </a:endParaRPr>
+          </a:p>
+        </p:txBody>
+      </p:sp>
     </p:spTree>
   </p:cSld>
   <p:clrMapOvr>
@@ -6572,6 +7758,536 @@
           </a:p>
         </p:txBody>
       </p:sp>
+      <p:sp>
+        <p:nvSpPr>
+          <p:cNvPr id="2" name="Espace réservé de la date 1">
+            <a:extLst>
+              <a:ext uri="{FF2B5EF4-FFF2-40B4-BE49-F238E27FC236}">
+                <a16:creationId xmlns:a16="http://schemas.microsoft.com/office/drawing/2014/main" id="{D95DA047-3257-DCDB-F182-C5EB65BCF148}"/>
+              </a:ext>
+            </a:extLst>
+          </p:cNvPr>
+          <p:cNvSpPr txBox="1">
+            <a:spLocks/>
+          </p:cNvSpPr>
+          <p:nvPr/>
+        </p:nvSpPr>
+        <p:spPr>
+          <a:xfrm>
+            <a:off x="252499" y="6515968"/>
+            <a:ext cx="1656184" cy="302021"/>
+          </a:xfrm>
+          <a:prstGeom prst="rect">
+            <a:avLst/>
+          </a:prstGeom>
+        </p:spPr>
+        <p:txBody>
+          <a:bodyPr/>
+          <a:lstStyle>
+            <a:defPPr>
+              <a:defRPr lang="ru-RU"/>
+            </a:defPPr>
+            <a:lvl1pPr algn="l" rtl="0" fontAlgn="base">
+              <a:spcBef>
+                <a:spcPct val="0"/>
+              </a:spcBef>
+              <a:spcAft>
+                <a:spcPct val="0"/>
+              </a:spcAft>
+              <a:defRPr sz="2000" kern="1200">
+                <a:solidFill>
+                  <a:schemeClr val="bg1"/>
+                </a:solidFill>
+                <a:latin typeface="Futura LT Book" pitchFamily="2" charset="0"/>
+                <a:ea typeface="굴림" charset="-127"/>
+                <a:cs typeface="+mn-cs"/>
+              </a:defRPr>
+            </a:lvl1pPr>
+            <a:lvl2pPr marL="457200" algn="l" rtl="0" fontAlgn="base">
+              <a:spcBef>
+                <a:spcPct val="0"/>
+              </a:spcBef>
+              <a:spcAft>
+                <a:spcPct val="0"/>
+              </a:spcAft>
+              <a:defRPr sz="2000" kern="1200">
+                <a:solidFill>
+                  <a:schemeClr val="bg1"/>
+                </a:solidFill>
+                <a:latin typeface="Futura LT Book" pitchFamily="2" charset="0"/>
+                <a:ea typeface="굴림" charset="-127"/>
+                <a:cs typeface="+mn-cs"/>
+              </a:defRPr>
+            </a:lvl2pPr>
+            <a:lvl3pPr marL="914400" algn="l" rtl="0" fontAlgn="base">
+              <a:spcBef>
+                <a:spcPct val="0"/>
+              </a:spcBef>
+              <a:spcAft>
+                <a:spcPct val="0"/>
+              </a:spcAft>
+              <a:defRPr sz="2000" kern="1200">
+                <a:solidFill>
+                  <a:schemeClr val="bg1"/>
+                </a:solidFill>
+                <a:latin typeface="Futura LT Book" pitchFamily="2" charset="0"/>
+                <a:ea typeface="굴림" charset="-127"/>
+                <a:cs typeface="+mn-cs"/>
+              </a:defRPr>
+            </a:lvl3pPr>
+            <a:lvl4pPr marL="1371600" algn="l" rtl="0" fontAlgn="base">
+              <a:spcBef>
+                <a:spcPct val="0"/>
+              </a:spcBef>
+              <a:spcAft>
+                <a:spcPct val="0"/>
+              </a:spcAft>
+              <a:defRPr sz="2000" kern="1200">
+                <a:solidFill>
+                  <a:schemeClr val="bg1"/>
+                </a:solidFill>
+                <a:latin typeface="Futura LT Book" pitchFamily="2" charset="0"/>
+                <a:ea typeface="굴림" charset="-127"/>
+                <a:cs typeface="+mn-cs"/>
+              </a:defRPr>
+            </a:lvl4pPr>
+            <a:lvl5pPr marL="1828800" algn="l" rtl="0" fontAlgn="base">
+              <a:spcBef>
+                <a:spcPct val="0"/>
+              </a:spcBef>
+              <a:spcAft>
+                <a:spcPct val="0"/>
+              </a:spcAft>
+              <a:defRPr sz="2000" kern="1200">
+                <a:solidFill>
+                  <a:schemeClr val="bg1"/>
+                </a:solidFill>
+                <a:latin typeface="Futura LT Book" pitchFamily="2" charset="0"/>
+                <a:ea typeface="굴림" charset="-127"/>
+                <a:cs typeface="+mn-cs"/>
+              </a:defRPr>
+            </a:lvl5pPr>
+            <a:lvl6pPr marL="2286000" algn="l" defTabSz="914400" rtl="0" eaLnBrk="1" latinLnBrk="0" hangingPunct="1">
+              <a:defRPr sz="2000" kern="1200">
+                <a:solidFill>
+                  <a:schemeClr val="bg1"/>
+                </a:solidFill>
+                <a:latin typeface="Futura LT Book" pitchFamily="2" charset="0"/>
+                <a:ea typeface="굴림" charset="-127"/>
+                <a:cs typeface="+mn-cs"/>
+              </a:defRPr>
+            </a:lvl6pPr>
+            <a:lvl7pPr marL="2743200" algn="l" defTabSz="914400" rtl="0" eaLnBrk="1" latinLnBrk="0" hangingPunct="1">
+              <a:defRPr sz="2000" kern="1200">
+                <a:solidFill>
+                  <a:schemeClr val="bg1"/>
+                </a:solidFill>
+                <a:latin typeface="Futura LT Book" pitchFamily="2" charset="0"/>
+                <a:ea typeface="굴림" charset="-127"/>
+                <a:cs typeface="+mn-cs"/>
+              </a:defRPr>
+            </a:lvl7pPr>
+            <a:lvl8pPr marL="3200400" algn="l" defTabSz="914400" rtl="0" eaLnBrk="1" latinLnBrk="0" hangingPunct="1">
+              <a:defRPr sz="2000" kern="1200">
+                <a:solidFill>
+                  <a:schemeClr val="bg1"/>
+                </a:solidFill>
+                <a:latin typeface="Futura LT Book" pitchFamily="2" charset="0"/>
+                <a:ea typeface="굴림" charset="-127"/>
+                <a:cs typeface="+mn-cs"/>
+              </a:defRPr>
+            </a:lvl8pPr>
+            <a:lvl9pPr marL="3657600" algn="l" defTabSz="914400" rtl="0" eaLnBrk="1" latinLnBrk="0" hangingPunct="1">
+              <a:defRPr sz="2000" kern="1200">
+                <a:solidFill>
+                  <a:schemeClr val="bg1"/>
+                </a:solidFill>
+                <a:latin typeface="Futura LT Book" pitchFamily="2" charset="0"/>
+                <a:ea typeface="굴림" charset="-127"/>
+                <a:cs typeface="+mn-cs"/>
+              </a:defRPr>
+            </a:lvl9pPr>
+          </a:lstStyle>
+          <a:p>
+            <a:fld id="{DE689F20-F847-4534-8E47-71A18D083FC1}" type="datetime1">
+              <a:rPr lang="fr-FR" sz="1600" smtClean="0">
+                <a:solidFill>
+                  <a:schemeClr val="tx2">
+                    <a:lumMod val="85000"/>
+                    <a:lumOff val="15000"/>
+                  </a:schemeClr>
+                </a:solidFill>
+                <a:latin typeface="Open Sans" pitchFamily="2" charset="0"/>
+                <a:ea typeface="Open Sans" pitchFamily="2" charset="0"/>
+                <a:cs typeface="Open Sans" pitchFamily="2" charset="0"/>
+              </a:rPr>
+              <a:pPr/>
+              <a:t>23/01/2023</a:t>
+            </a:fld>
+            <a:endParaRPr lang="ru-RU" sz="1600" dirty="0">
+              <a:solidFill>
+                <a:schemeClr val="tx2">
+                  <a:lumMod val="85000"/>
+                  <a:lumOff val="15000"/>
+                </a:schemeClr>
+              </a:solidFill>
+              <a:latin typeface="Open Sans" pitchFamily="2" charset="0"/>
+              <a:ea typeface="Open Sans" pitchFamily="2" charset="0"/>
+              <a:cs typeface="Open Sans" pitchFamily="2" charset="0"/>
+            </a:endParaRPr>
+          </a:p>
+        </p:txBody>
+      </p:sp>
+      <p:sp>
+        <p:nvSpPr>
+          <p:cNvPr id="3" name="Espace réservé du pied de page 2">
+            <a:extLst>
+              <a:ext uri="{FF2B5EF4-FFF2-40B4-BE49-F238E27FC236}">
+                <a16:creationId xmlns:a16="http://schemas.microsoft.com/office/drawing/2014/main" id="{7FA6D1EE-EC77-68D2-5849-71B417DA5E4E}"/>
+              </a:ext>
+            </a:extLst>
+          </p:cNvPr>
+          <p:cNvSpPr txBox="1">
+            <a:spLocks/>
+          </p:cNvSpPr>
+          <p:nvPr/>
+        </p:nvSpPr>
+        <p:spPr>
+          <a:xfrm>
+            <a:off x="2722033" y="6525344"/>
+            <a:ext cx="3699933" cy="302021"/>
+          </a:xfrm>
+          <a:prstGeom prst="rect">
+            <a:avLst/>
+          </a:prstGeom>
+        </p:spPr>
+        <p:txBody>
+          <a:bodyPr/>
+          <a:lstStyle>
+            <a:defPPr>
+              <a:defRPr lang="ru-RU"/>
+            </a:defPPr>
+            <a:lvl1pPr algn="l" rtl="0" fontAlgn="base">
+              <a:spcBef>
+                <a:spcPct val="0"/>
+              </a:spcBef>
+              <a:spcAft>
+                <a:spcPct val="0"/>
+              </a:spcAft>
+              <a:defRPr sz="2000" kern="1200">
+                <a:solidFill>
+                  <a:schemeClr val="bg1"/>
+                </a:solidFill>
+                <a:latin typeface="Futura LT Book" pitchFamily="2" charset="0"/>
+                <a:ea typeface="굴림" charset="-127"/>
+                <a:cs typeface="+mn-cs"/>
+              </a:defRPr>
+            </a:lvl1pPr>
+            <a:lvl2pPr marL="457200" algn="l" rtl="0" fontAlgn="base">
+              <a:spcBef>
+                <a:spcPct val="0"/>
+              </a:spcBef>
+              <a:spcAft>
+                <a:spcPct val="0"/>
+              </a:spcAft>
+              <a:defRPr sz="2000" kern="1200">
+                <a:solidFill>
+                  <a:schemeClr val="bg1"/>
+                </a:solidFill>
+                <a:latin typeface="Futura LT Book" pitchFamily="2" charset="0"/>
+                <a:ea typeface="굴림" charset="-127"/>
+                <a:cs typeface="+mn-cs"/>
+              </a:defRPr>
+            </a:lvl2pPr>
+            <a:lvl3pPr marL="914400" algn="l" rtl="0" fontAlgn="base">
+              <a:spcBef>
+                <a:spcPct val="0"/>
+              </a:spcBef>
+              <a:spcAft>
+                <a:spcPct val="0"/>
+              </a:spcAft>
+              <a:defRPr sz="2000" kern="1200">
+                <a:solidFill>
+                  <a:schemeClr val="bg1"/>
+                </a:solidFill>
+                <a:latin typeface="Futura LT Book" pitchFamily="2" charset="0"/>
+                <a:ea typeface="굴림" charset="-127"/>
+                <a:cs typeface="+mn-cs"/>
+              </a:defRPr>
+            </a:lvl3pPr>
+            <a:lvl4pPr marL="1371600" algn="l" rtl="0" fontAlgn="base">
+              <a:spcBef>
+                <a:spcPct val="0"/>
+              </a:spcBef>
+              <a:spcAft>
+                <a:spcPct val="0"/>
+              </a:spcAft>
+              <a:defRPr sz="2000" kern="1200">
+                <a:solidFill>
+                  <a:schemeClr val="bg1"/>
+                </a:solidFill>
+                <a:latin typeface="Futura LT Book" pitchFamily="2" charset="0"/>
+                <a:ea typeface="굴림" charset="-127"/>
+                <a:cs typeface="+mn-cs"/>
+              </a:defRPr>
+            </a:lvl4pPr>
+            <a:lvl5pPr marL="1828800" algn="l" rtl="0" fontAlgn="base">
+              <a:spcBef>
+                <a:spcPct val="0"/>
+              </a:spcBef>
+              <a:spcAft>
+                <a:spcPct val="0"/>
+              </a:spcAft>
+              <a:defRPr sz="2000" kern="1200">
+                <a:solidFill>
+                  <a:schemeClr val="bg1"/>
+                </a:solidFill>
+                <a:latin typeface="Futura LT Book" pitchFamily="2" charset="0"/>
+                <a:ea typeface="굴림" charset="-127"/>
+                <a:cs typeface="+mn-cs"/>
+              </a:defRPr>
+            </a:lvl5pPr>
+            <a:lvl6pPr marL="2286000" algn="l" defTabSz="914400" rtl="0" eaLnBrk="1" latinLnBrk="0" hangingPunct="1">
+              <a:defRPr sz="2000" kern="1200">
+                <a:solidFill>
+                  <a:schemeClr val="bg1"/>
+                </a:solidFill>
+                <a:latin typeface="Futura LT Book" pitchFamily="2" charset="0"/>
+                <a:ea typeface="굴림" charset="-127"/>
+                <a:cs typeface="+mn-cs"/>
+              </a:defRPr>
+            </a:lvl6pPr>
+            <a:lvl7pPr marL="2743200" algn="l" defTabSz="914400" rtl="0" eaLnBrk="1" latinLnBrk="0" hangingPunct="1">
+              <a:defRPr sz="2000" kern="1200">
+                <a:solidFill>
+                  <a:schemeClr val="bg1"/>
+                </a:solidFill>
+                <a:latin typeface="Futura LT Book" pitchFamily="2" charset="0"/>
+                <a:ea typeface="굴림" charset="-127"/>
+                <a:cs typeface="+mn-cs"/>
+              </a:defRPr>
+            </a:lvl7pPr>
+            <a:lvl8pPr marL="3200400" algn="l" defTabSz="914400" rtl="0" eaLnBrk="1" latinLnBrk="0" hangingPunct="1">
+              <a:defRPr sz="2000" kern="1200">
+                <a:solidFill>
+                  <a:schemeClr val="bg1"/>
+                </a:solidFill>
+                <a:latin typeface="Futura LT Book" pitchFamily="2" charset="0"/>
+                <a:ea typeface="굴림" charset="-127"/>
+                <a:cs typeface="+mn-cs"/>
+              </a:defRPr>
+            </a:lvl8pPr>
+            <a:lvl9pPr marL="3657600" algn="l" defTabSz="914400" rtl="0" eaLnBrk="1" latinLnBrk="0" hangingPunct="1">
+              <a:defRPr sz="2000" kern="1200">
+                <a:solidFill>
+                  <a:schemeClr val="bg1"/>
+                </a:solidFill>
+                <a:latin typeface="Futura LT Book" pitchFamily="2" charset="0"/>
+                <a:ea typeface="굴림" charset="-127"/>
+                <a:cs typeface="+mn-cs"/>
+              </a:defRPr>
+            </a:lvl9pPr>
+          </a:lstStyle>
+          <a:p>
+            <a:pPr algn="ctr"/>
+            <a:r>
+              <a:rPr lang="fr-FR" sz="1600" dirty="0">
+                <a:solidFill>
+                  <a:schemeClr val="tx2">
+                    <a:lumMod val="85000"/>
+                    <a:lumOff val="15000"/>
+                  </a:schemeClr>
+                </a:solidFill>
+                <a:latin typeface="Open Sans" pitchFamily="2" charset="0"/>
+                <a:ea typeface="Open Sans" pitchFamily="2" charset="0"/>
+                <a:cs typeface="Open Sans" pitchFamily="2" charset="0"/>
+              </a:rPr>
+              <a:t>Projet BDR</a:t>
+            </a:r>
+          </a:p>
+        </p:txBody>
+      </p:sp>
+      <p:sp>
+        <p:nvSpPr>
+          <p:cNvPr id="4" name="Espace réservé du numéro de diapositive 3">
+            <a:extLst>
+              <a:ext uri="{FF2B5EF4-FFF2-40B4-BE49-F238E27FC236}">
+                <a16:creationId xmlns:a16="http://schemas.microsoft.com/office/drawing/2014/main" id="{9F294D0A-E9BA-1020-F1C7-323092CBBFD5}"/>
+              </a:ext>
+            </a:extLst>
+          </p:cNvPr>
+          <p:cNvSpPr txBox="1">
+            <a:spLocks/>
+          </p:cNvSpPr>
+          <p:nvPr/>
+        </p:nvSpPr>
+        <p:spPr>
+          <a:xfrm>
+            <a:off x="8422072" y="6525344"/>
+            <a:ext cx="504056" cy="302022"/>
+          </a:xfrm>
+          <a:prstGeom prst="rect">
+            <a:avLst/>
+          </a:prstGeom>
+        </p:spPr>
+        <p:txBody>
+          <a:bodyPr/>
+          <a:lstStyle>
+            <a:defPPr>
+              <a:defRPr lang="ru-RU"/>
+            </a:defPPr>
+            <a:lvl1pPr algn="l" rtl="0" fontAlgn="base">
+              <a:spcBef>
+                <a:spcPct val="0"/>
+              </a:spcBef>
+              <a:spcAft>
+                <a:spcPct val="0"/>
+              </a:spcAft>
+              <a:defRPr sz="2000" kern="1200">
+                <a:solidFill>
+                  <a:schemeClr val="bg1"/>
+                </a:solidFill>
+                <a:latin typeface="Futura LT Book" pitchFamily="2" charset="0"/>
+                <a:ea typeface="굴림" charset="-127"/>
+                <a:cs typeface="+mn-cs"/>
+              </a:defRPr>
+            </a:lvl1pPr>
+            <a:lvl2pPr marL="457200" algn="l" rtl="0" fontAlgn="base">
+              <a:spcBef>
+                <a:spcPct val="0"/>
+              </a:spcBef>
+              <a:spcAft>
+                <a:spcPct val="0"/>
+              </a:spcAft>
+              <a:defRPr sz="2000" kern="1200">
+                <a:solidFill>
+                  <a:schemeClr val="bg1"/>
+                </a:solidFill>
+                <a:latin typeface="Futura LT Book" pitchFamily="2" charset="0"/>
+                <a:ea typeface="굴림" charset="-127"/>
+                <a:cs typeface="+mn-cs"/>
+              </a:defRPr>
+            </a:lvl2pPr>
+            <a:lvl3pPr marL="914400" algn="l" rtl="0" fontAlgn="base">
+              <a:spcBef>
+                <a:spcPct val="0"/>
+              </a:spcBef>
+              <a:spcAft>
+                <a:spcPct val="0"/>
+              </a:spcAft>
+              <a:defRPr sz="2000" kern="1200">
+                <a:solidFill>
+                  <a:schemeClr val="bg1"/>
+                </a:solidFill>
+                <a:latin typeface="Futura LT Book" pitchFamily="2" charset="0"/>
+                <a:ea typeface="굴림" charset="-127"/>
+                <a:cs typeface="+mn-cs"/>
+              </a:defRPr>
+            </a:lvl3pPr>
+            <a:lvl4pPr marL="1371600" algn="l" rtl="0" fontAlgn="base">
+              <a:spcBef>
+                <a:spcPct val="0"/>
+              </a:spcBef>
+              <a:spcAft>
+                <a:spcPct val="0"/>
+              </a:spcAft>
+              <a:defRPr sz="2000" kern="1200">
+                <a:solidFill>
+                  <a:schemeClr val="bg1"/>
+                </a:solidFill>
+                <a:latin typeface="Futura LT Book" pitchFamily="2" charset="0"/>
+                <a:ea typeface="굴림" charset="-127"/>
+                <a:cs typeface="+mn-cs"/>
+              </a:defRPr>
+            </a:lvl4pPr>
+            <a:lvl5pPr marL="1828800" algn="l" rtl="0" fontAlgn="base">
+              <a:spcBef>
+                <a:spcPct val="0"/>
+              </a:spcBef>
+              <a:spcAft>
+                <a:spcPct val="0"/>
+              </a:spcAft>
+              <a:defRPr sz="2000" kern="1200">
+                <a:solidFill>
+                  <a:schemeClr val="bg1"/>
+                </a:solidFill>
+                <a:latin typeface="Futura LT Book" pitchFamily="2" charset="0"/>
+                <a:ea typeface="굴림" charset="-127"/>
+                <a:cs typeface="+mn-cs"/>
+              </a:defRPr>
+            </a:lvl5pPr>
+            <a:lvl6pPr marL="2286000" algn="l" defTabSz="914400" rtl="0" eaLnBrk="1" latinLnBrk="0" hangingPunct="1">
+              <a:defRPr sz="2000" kern="1200">
+                <a:solidFill>
+                  <a:schemeClr val="bg1"/>
+                </a:solidFill>
+                <a:latin typeface="Futura LT Book" pitchFamily="2" charset="0"/>
+                <a:ea typeface="굴림" charset="-127"/>
+                <a:cs typeface="+mn-cs"/>
+              </a:defRPr>
+            </a:lvl6pPr>
+            <a:lvl7pPr marL="2743200" algn="l" defTabSz="914400" rtl="0" eaLnBrk="1" latinLnBrk="0" hangingPunct="1">
+              <a:defRPr sz="2000" kern="1200">
+                <a:solidFill>
+                  <a:schemeClr val="bg1"/>
+                </a:solidFill>
+                <a:latin typeface="Futura LT Book" pitchFamily="2" charset="0"/>
+                <a:ea typeface="굴림" charset="-127"/>
+                <a:cs typeface="+mn-cs"/>
+              </a:defRPr>
+            </a:lvl7pPr>
+            <a:lvl8pPr marL="3200400" algn="l" defTabSz="914400" rtl="0" eaLnBrk="1" latinLnBrk="0" hangingPunct="1">
+              <a:defRPr sz="2000" kern="1200">
+                <a:solidFill>
+                  <a:schemeClr val="bg1"/>
+                </a:solidFill>
+                <a:latin typeface="Futura LT Book" pitchFamily="2" charset="0"/>
+                <a:ea typeface="굴림" charset="-127"/>
+                <a:cs typeface="+mn-cs"/>
+              </a:defRPr>
+            </a:lvl8pPr>
+            <a:lvl9pPr marL="3657600" algn="l" defTabSz="914400" rtl="0" eaLnBrk="1" latinLnBrk="0" hangingPunct="1">
+              <a:defRPr sz="2000" kern="1200">
+                <a:solidFill>
+                  <a:schemeClr val="bg1"/>
+                </a:solidFill>
+                <a:latin typeface="Futura LT Book" pitchFamily="2" charset="0"/>
+                <a:ea typeface="굴림" charset="-127"/>
+                <a:cs typeface="+mn-cs"/>
+              </a:defRPr>
+            </a:lvl9pPr>
+          </a:lstStyle>
+          <a:p>
+            <a:pPr algn="r"/>
+            <a:fld id="{F3C024E0-34B0-439A-B45D-DA3346595B08}" type="slidenum">
+              <a:rPr lang="ru-RU" sz="1600" smtClean="0">
+                <a:solidFill>
+                  <a:schemeClr val="tx2">
+                    <a:lumMod val="85000"/>
+                    <a:lumOff val="15000"/>
+                  </a:schemeClr>
+                </a:solidFill>
+                <a:latin typeface="Open Sans" pitchFamily="2" charset="0"/>
+                <a:ea typeface="Open Sans" pitchFamily="2" charset="0"/>
+                <a:cs typeface="Open Sans" pitchFamily="2" charset="0"/>
+              </a:rPr>
+              <a:pPr algn="r"/>
+              <a:t>3</a:t>
+            </a:fld>
+            <a:endParaRPr lang="ru-RU" sz="1600" dirty="0">
+              <a:solidFill>
+                <a:schemeClr val="tx2">
+                  <a:lumMod val="85000"/>
+                  <a:lumOff val="15000"/>
+                </a:schemeClr>
+              </a:solidFill>
+              <a:latin typeface="Open Sans" pitchFamily="2" charset="0"/>
+              <a:ea typeface="Open Sans" pitchFamily="2" charset="0"/>
+              <a:cs typeface="Open Sans" pitchFamily="2" charset="0"/>
+            </a:endParaRPr>
+          </a:p>
+        </p:txBody>
+      </p:sp>
     </p:spTree>
   </p:cSld>
   <p:clrMapOvr>
@@ -6653,6 +8369,536 @@
               <a:t>bla</a:t>
             </a:r>
             <a:endParaRPr lang="fr-FR" dirty="0">
+              <a:latin typeface="Open Sans" pitchFamily="2" charset="0"/>
+              <a:ea typeface="Open Sans" pitchFamily="2" charset="0"/>
+              <a:cs typeface="Open Sans" pitchFamily="2" charset="0"/>
+            </a:endParaRPr>
+          </a:p>
+        </p:txBody>
+      </p:sp>
+      <p:sp>
+        <p:nvSpPr>
+          <p:cNvPr id="5" name="Espace réservé de la date 1">
+            <a:extLst>
+              <a:ext uri="{FF2B5EF4-FFF2-40B4-BE49-F238E27FC236}">
+                <a16:creationId xmlns:a16="http://schemas.microsoft.com/office/drawing/2014/main" id="{29823CFA-4802-393E-9BE3-FB8F9183425A}"/>
+              </a:ext>
+            </a:extLst>
+          </p:cNvPr>
+          <p:cNvSpPr txBox="1">
+            <a:spLocks/>
+          </p:cNvSpPr>
+          <p:nvPr/>
+        </p:nvSpPr>
+        <p:spPr>
+          <a:xfrm>
+            <a:off x="252499" y="6515968"/>
+            <a:ext cx="1656184" cy="302021"/>
+          </a:xfrm>
+          <a:prstGeom prst="rect">
+            <a:avLst/>
+          </a:prstGeom>
+        </p:spPr>
+        <p:txBody>
+          <a:bodyPr/>
+          <a:lstStyle>
+            <a:defPPr>
+              <a:defRPr lang="ru-RU"/>
+            </a:defPPr>
+            <a:lvl1pPr algn="l" rtl="0" fontAlgn="base">
+              <a:spcBef>
+                <a:spcPct val="0"/>
+              </a:spcBef>
+              <a:spcAft>
+                <a:spcPct val="0"/>
+              </a:spcAft>
+              <a:defRPr sz="2000" kern="1200">
+                <a:solidFill>
+                  <a:schemeClr val="bg1"/>
+                </a:solidFill>
+                <a:latin typeface="Futura LT Book" pitchFamily="2" charset="0"/>
+                <a:ea typeface="굴림" charset="-127"/>
+                <a:cs typeface="+mn-cs"/>
+              </a:defRPr>
+            </a:lvl1pPr>
+            <a:lvl2pPr marL="457200" algn="l" rtl="0" fontAlgn="base">
+              <a:spcBef>
+                <a:spcPct val="0"/>
+              </a:spcBef>
+              <a:spcAft>
+                <a:spcPct val="0"/>
+              </a:spcAft>
+              <a:defRPr sz="2000" kern="1200">
+                <a:solidFill>
+                  <a:schemeClr val="bg1"/>
+                </a:solidFill>
+                <a:latin typeface="Futura LT Book" pitchFamily="2" charset="0"/>
+                <a:ea typeface="굴림" charset="-127"/>
+                <a:cs typeface="+mn-cs"/>
+              </a:defRPr>
+            </a:lvl2pPr>
+            <a:lvl3pPr marL="914400" algn="l" rtl="0" fontAlgn="base">
+              <a:spcBef>
+                <a:spcPct val="0"/>
+              </a:spcBef>
+              <a:spcAft>
+                <a:spcPct val="0"/>
+              </a:spcAft>
+              <a:defRPr sz="2000" kern="1200">
+                <a:solidFill>
+                  <a:schemeClr val="bg1"/>
+                </a:solidFill>
+                <a:latin typeface="Futura LT Book" pitchFamily="2" charset="0"/>
+                <a:ea typeface="굴림" charset="-127"/>
+                <a:cs typeface="+mn-cs"/>
+              </a:defRPr>
+            </a:lvl3pPr>
+            <a:lvl4pPr marL="1371600" algn="l" rtl="0" fontAlgn="base">
+              <a:spcBef>
+                <a:spcPct val="0"/>
+              </a:spcBef>
+              <a:spcAft>
+                <a:spcPct val="0"/>
+              </a:spcAft>
+              <a:defRPr sz="2000" kern="1200">
+                <a:solidFill>
+                  <a:schemeClr val="bg1"/>
+                </a:solidFill>
+                <a:latin typeface="Futura LT Book" pitchFamily="2" charset="0"/>
+                <a:ea typeface="굴림" charset="-127"/>
+                <a:cs typeface="+mn-cs"/>
+              </a:defRPr>
+            </a:lvl4pPr>
+            <a:lvl5pPr marL="1828800" algn="l" rtl="0" fontAlgn="base">
+              <a:spcBef>
+                <a:spcPct val="0"/>
+              </a:spcBef>
+              <a:spcAft>
+                <a:spcPct val="0"/>
+              </a:spcAft>
+              <a:defRPr sz="2000" kern="1200">
+                <a:solidFill>
+                  <a:schemeClr val="bg1"/>
+                </a:solidFill>
+                <a:latin typeface="Futura LT Book" pitchFamily="2" charset="0"/>
+                <a:ea typeface="굴림" charset="-127"/>
+                <a:cs typeface="+mn-cs"/>
+              </a:defRPr>
+            </a:lvl5pPr>
+            <a:lvl6pPr marL="2286000" algn="l" defTabSz="914400" rtl="0" eaLnBrk="1" latinLnBrk="0" hangingPunct="1">
+              <a:defRPr sz="2000" kern="1200">
+                <a:solidFill>
+                  <a:schemeClr val="bg1"/>
+                </a:solidFill>
+                <a:latin typeface="Futura LT Book" pitchFamily="2" charset="0"/>
+                <a:ea typeface="굴림" charset="-127"/>
+                <a:cs typeface="+mn-cs"/>
+              </a:defRPr>
+            </a:lvl6pPr>
+            <a:lvl7pPr marL="2743200" algn="l" defTabSz="914400" rtl="0" eaLnBrk="1" latinLnBrk="0" hangingPunct="1">
+              <a:defRPr sz="2000" kern="1200">
+                <a:solidFill>
+                  <a:schemeClr val="bg1"/>
+                </a:solidFill>
+                <a:latin typeface="Futura LT Book" pitchFamily="2" charset="0"/>
+                <a:ea typeface="굴림" charset="-127"/>
+                <a:cs typeface="+mn-cs"/>
+              </a:defRPr>
+            </a:lvl7pPr>
+            <a:lvl8pPr marL="3200400" algn="l" defTabSz="914400" rtl="0" eaLnBrk="1" latinLnBrk="0" hangingPunct="1">
+              <a:defRPr sz="2000" kern="1200">
+                <a:solidFill>
+                  <a:schemeClr val="bg1"/>
+                </a:solidFill>
+                <a:latin typeface="Futura LT Book" pitchFamily="2" charset="0"/>
+                <a:ea typeface="굴림" charset="-127"/>
+                <a:cs typeface="+mn-cs"/>
+              </a:defRPr>
+            </a:lvl8pPr>
+            <a:lvl9pPr marL="3657600" algn="l" defTabSz="914400" rtl="0" eaLnBrk="1" latinLnBrk="0" hangingPunct="1">
+              <a:defRPr sz="2000" kern="1200">
+                <a:solidFill>
+                  <a:schemeClr val="bg1"/>
+                </a:solidFill>
+                <a:latin typeface="Futura LT Book" pitchFamily="2" charset="0"/>
+                <a:ea typeface="굴림" charset="-127"/>
+                <a:cs typeface="+mn-cs"/>
+              </a:defRPr>
+            </a:lvl9pPr>
+          </a:lstStyle>
+          <a:p>
+            <a:fld id="{DE689F20-F847-4534-8E47-71A18D083FC1}" type="datetime1">
+              <a:rPr lang="fr-FR" sz="1600" smtClean="0">
+                <a:solidFill>
+                  <a:schemeClr val="tx2">
+                    <a:lumMod val="85000"/>
+                    <a:lumOff val="15000"/>
+                  </a:schemeClr>
+                </a:solidFill>
+                <a:latin typeface="Open Sans" pitchFamily="2" charset="0"/>
+                <a:ea typeface="Open Sans" pitchFamily="2" charset="0"/>
+                <a:cs typeface="Open Sans" pitchFamily="2" charset="0"/>
+              </a:rPr>
+              <a:pPr/>
+              <a:t>23/01/2023</a:t>
+            </a:fld>
+            <a:endParaRPr lang="ru-RU" sz="1600" dirty="0">
+              <a:solidFill>
+                <a:schemeClr val="tx2">
+                  <a:lumMod val="85000"/>
+                  <a:lumOff val="15000"/>
+                </a:schemeClr>
+              </a:solidFill>
+              <a:latin typeface="Open Sans" pitchFamily="2" charset="0"/>
+              <a:ea typeface="Open Sans" pitchFamily="2" charset="0"/>
+              <a:cs typeface="Open Sans" pitchFamily="2" charset="0"/>
+            </a:endParaRPr>
+          </a:p>
+        </p:txBody>
+      </p:sp>
+      <p:sp>
+        <p:nvSpPr>
+          <p:cNvPr id="6" name="Espace réservé du pied de page 2">
+            <a:extLst>
+              <a:ext uri="{FF2B5EF4-FFF2-40B4-BE49-F238E27FC236}">
+                <a16:creationId xmlns:a16="http://schemas.microsoft.com/office/drawing/2014/main" id="{C8B6D733-E931-7515-652F-8C11C3C0F731}"/>
+              </a:ext>
+            </a:extLst>
+          </p:cNvPr>
+          <p:cNvSpPr txBox="1">
+            <a:spLocks/>
+          </p:cNvSpPr>
+          <p:nvPr/>
+        </p:nvSpPr>
+        <p:spPr>
+          <a:xfrm>
+            <a:off x="2722033" y="6525344"/>
+            <a:ext cx="3699933" cy="302021"/>
+          </a:xfrm>
+          <a:prstGeom prst="rect">
+            <a:avLst/>
+          </a:prstGeom>
+        </p:spPr>
+        <p:txBody>
+          <a:bodyPr/>
+          <a:lstStyle>
+            <a:defPPr>
+              <a:defRPr lang="ru-RU"/>
+            </a:defPPr>
+            <a:lvl1pPr algn="l" rtl="0" fontAlgn="base">
+              <a:spcBef>
+                <a:spcPct val="0"/>
+              </a:spcBef>
+              <a:spcAft>
+                <a:spcPct val="0"/>
+              </a:spcAft>
+              <a:defRPr sz="2000" kern="1200">
+                <a:solidFill>
+                  <a:schemeClr val="bg1"/>
+                </a:solidFill>
+                <a:latin typeface="Futura LT Book" pitchFamily="2" charset="0"/>
+                <a:ea typeface="굴림" charset="-127"/>
+                <a:cs typeface="+mn-cs"/>
+              </a:defRPr>
+            </a:lvl1pPr>
+            <a:lvl2pPr marL="457200" algn="l" rtl="0" fontAlgn="base">
+              <a:spcBef>
+                <a:spcPct val="0"/>
+              </a:spcBef>
+              <a:spcAft>
+                <a:spcPct val="0"/>
+              </a:spcAft>
+              <a:defRPr sz="2000" kern="1200">
+                <a:solidFill>
+                  <a:schemeClr val="bg1"/>
+                </a:solidFill>
+                <a:latin typeface="Futura LT Book" pitchFamily="2" charset="0"/>
+                <a:ea typeface="굴림" charset="-127"/>
+                <a:cs typeface="+mn-cs"/>
+              </a:defRPr>
+            </a:lvl2pPr>
+            <a:lvl3pPr marL="914400" algn="l" rtl="0" fontAlgn="base">
+              <a:spcBef>
+                <a:spcPct val="0"/>
+              </a:spcBef>
+              <a:spcAft>
+                <a:spcPct val="0"/>
+              </a:spcAft>
+              <a:defRPr sz="2000" kern="1200">
+                <a:solidFill>
+                  <a:schemeClr val="bg1"/>
+                </a:solidFill>
+                <a:latin typeface="Futura LT Book" pitchFamily="2" charset="0"/>
+                <a:ea typeface="굴림" charset="-127"/>
+                <a:cs typeface="+mn-cs"/>
+              </a:defRPr>
+            </a:lvl3pPr>
+            <a:lvl4pPr marL="1371600" algn="l" rtl="0" fontAlgn="base">
+              <a:spcBef>
+                <a:spcPct val="0"/>
+              </a:spcBef>
+              <a:spcAft>
+                <a:spcPct val="0"/>
+              </a:spcAft>
+              <a:defRPr sz="2000" kern="1200">
+                <a:solidFill>
+                  <a:schemeClr val="bg1"/>
+                </a:solidFill>
+                <a:latin typeface="Futura LT Book" pitchFamily="2" charset="0"/>
+                <a:ea typeface="굴림" charset="-127"/>
+                <a:cs typeface="+mn-cs"/>
+              </a:defRPr>
+            </a:lvl4pPr>
+            <a:lvl5pPr marL="1828800" algn="l" rtl="0" fontAlgn="base">
+              <a:spcBef>
+                <a:spcPct val="0"/>
+              </a:spcBef>
+              <a:spcAft>
+                <a:spcPct val="0"/>
+              </a:spcAft>
+              <a:defRPr sz="2000" kern="1200">
+                <a:solidFill>
+                  <a:schemeClr val="bg1"/>
+                </a:solidFill>
+                <a:latin typeface="Futura LT Book" pitchFamily="2" charset="0"/>
+                <a:ea typeface="굴림" charset="-127"/>
+                <a:cs typeface="+mn-cs"/>
+              </a:defRPr>
+            </a:lvl5pPr>
+            <a:lvl6pPr marL="2286000" algn="l" defTabSz="914400" rtl="0" eaLnBrk="1" latinLnBrk="0" hangingPunct="1">
+              <a:defRPr sz="2000" kern="1200">
+                <a:solidFill>
+                  <a:schemeClr val="bg1"/>
+                </a:solidFill>
+                <a:latin typeface="Futura LT Book" pitchFamily="2" charset="0"/>
+                <a:ea typeface="굴림" charset="-127"/>
+                <a:cs typeface="+mn-cs"/>
+              </a:defRPr>
+            </a:lvl6pPr>
+            <a:lvl7pPr marL="2743200" algn="l" defTabSz="914400" rtl="0" eaLnBrk="1" latinLnBrk="0" hangingPunct="1">
+              <a:defRPr sz="2000" kern="1200">
+                <a:solidFill>
+                  <a:schemeClr val="bg1"/>
+                </a:solidFill>
+                <a:latin typeface="Futura LT Book" pitchFamily="2" charset="0"/>
+                <a:ea typeface="굴림" charset="-127"/>
+                <a:cs typeface="+mn-cs"/>
+              </a:defRPr>
+            </a:lvl7pPr>
+            <a:lvl8pPr marL="3200400" algn="l" defTabSz="914400" rtl="0" eaLnBrk="1" latinLnBrk="0" hangingPunct="1">
+              <a:defRPr sz="2000" kern="1200">
+                <a:solidFill>
+                  <a:schemeClr val="bg1"/>
+                </a:solidFill>
+                <a:latin typeface="Futura LT Book" pitchFamily="2" charset="0"/>
+                <a:ea typeface="굴림" charset="-127"/>
+                <a:cs typeface="+mn-cs"/>
+              </a:defRPr>
+            </a:lvl8pPr>
+            <a:lvl9pPr marL="3657600" algn="l" defTabSz="914400" rtl="0" eaLnBrk="1" latinLnBrk="0" hangingPunct="1">
+              <a:defRPr sz="2000" kern="1200">
+                <a:solidFill>
+                  <a:schemeClr val="bg1"/>
+                </a:solidFill>
+                <a:latin typeface="Futura LT Book" pitchFamily="2" charset="0"/>
+                <a:ea typeface="굴림" charset="-127"/>
+                <a:cs typeface="+mn-cs"/>
+              </a:defRPr>
+            </a:lvl9pPr>
+          </a:lstStyle>
+          <a:p>
+            <a:pPr algn="ctr"/>
+            <a:r>
+              <a:rPr lang="fr-FR" sz="1600" dirty="0">
+                <a:solidFill>
+                  <a:schemeClr val="tx2">
+                    <a:lumMod val="85000"/>
+                    <a:lumOff val="15000"/>
+                  </a:schemeClr>
+                </a:solidFill>
+                <a:latin typeface="Open Sans" pitchFamily="2" charset="0"/>
+                <a:ea typeface="Open Sans" pitchFamily="2" charset="0"/>
+                <a:cs typeface="Open Sans" pitchFamily="2" charset="0"/>
+              </a:rPr>
+              <a:t>Projet BDR</a:t>
+            </a:r>
+          </a:p>
+        </p:txBody>
+      </p:sp>
+      <p:sp>
+        <p:nvSpPr>
+          <p:cNvPr id="7" name="Espace réservé du numéro de diapositive 3">
+            <a:extLst>
+              <a:ext uri="{FF2B5EF4-FFF2-40B4-BE49-F238E27FC236}">
+                <a16:creationId xmlns:a16="http://schemas.microsoft.com/office/drawing/2014/main" id="{B3B302A2-DAC5-AD46-3403-852778441A21}"/>
+              </a:ext>
+            </a:extLst>
+          </p:cNvPr>
+          <p:cNvSpPr txBox="1">
+            <a:spLocks/>
+          </p:cNvSpPr>
+          <p:nvPr/>
+        </p:nvSpPr>
+        <p:spPr>
+          <a:xfrm>
+            <a:off x="8422072" y="6525344"/>
+            <a:ext cx="504056" cy="302022"/>
+          </a:xfrm>
+          <a:prstGeom prst="rect">
+            <a:avLst/>
+          </a:prstGeom>
+        </p:spPr>
+        <p:txBody>
+          <a:bodyPr/>
+          <a:lstStyle>
+            <a:defPPr>
+              <a:defRPr lang="ru-RU"/>
+            </a:defPPr>
+            <a:lvl1pPr algn="l" rtl="0" fontAlgn="base">
+              <a:spcBef>
+                <a:spcPct val="0"/>
+              </a:spcBef>
+              <a:spcAft>
+                <a:spcPct val="0"/>
+              </a:spcAft>
+              <a:defRPr sz="2000" kern="1200">
+                <a:solidFill>
+                  <a:schemeClr val="bg1"/>
+                </a:solidFill>
+                <a:latin typeface="Futura LT Book" pitchFamily="2" charset="0"/>
+                <a:ea typeface="굴림" charset="-127"/>
+                <a:cs typeface="+mn-cs"/>
+              </a:defRPr>
+            </a:lvl1pPr>
+            <a:lvl2pPr marL="457200" algn="l" rtl="0" fontAlgn="base">
+              <a:spcBef>
+                <a:spcPct val="0"/>
+              </a:spcBef>
+              <a:spcAft>
+                <a:spcPct val="0"/>
+              </a:spcAft>
+              <a:defRPr sz="2000" kern="1200">
+                <a:solidFill>
+                  <a:schemeClr val="bg1"/>
+                </a:solidFill>
+                <a:latin typeface="Futura LT Book" pitchFamily="2" charset="0"/>
+                <a:ea typeface="굴림" charset="-127"/>
+                <a:cs typeface="+mn-cs"/>
+              </a:defRPr>
+            </a:lvl2pPr>
+            <a:lvl3pPr marL="914400" algn="l" rtl="0" fontAlgn="base">
+              <a:spcBef>
+                <a:spcPct val="0"/>
+              </a:spcBef>
+              <a:spcAft>
+                <a:spcPct val="0"/>
+              </a:spcAft>
+              <a:defRPr sz="2000" kern="1200">
+                <a:solidFill>
+                  <a:schemeClr val="bg1"/>
+                </a:solidFill>
+                <a:latin typeface="Futura LT Book" pitchFamily="2" charset="0"/>
+                <a:ea typeface="굴림" charset="-127"/>
+                <a:cs typeface="+mn-cs"/>
+              </a:defRPr>
+            </a:lvl3pPr>
+            <a:lvl4pPr marL="1371600" algn="l" rtl="0" fontAlgn="base">
+              <a:spcBef>
+                <a:spcPct val="0"/>
+              </a:spcBef>
+              <a:spcAft>
+                <a:spcPct val="0"/>
+              </a:spcAft>
+              <a:defRPr sz="2000" kern="1200">
+                <a:solidFill>
+                  <a:schemeClr val="bg1"/>
+                </a:solidFill>
+                <a:latin typeface="Futura LT Book" pitchFamily="2" charset="0"/>
+                <a:ea typeface="굴림" charset="-127"/>
+                <a:cs typeface="+mn-cs"/>
+              </a:defRPr>
+            </a:lvl4pPr>
+            <a:lvl5pPr marL="1828800" algn="l" rtl="0" fontAlgn="base">
+              <a:spcBef>
+                <a:spcPct val="0"/>
+              </a:spcBef>
+              <a:spcAft>
+                <a:spcPct val="0"/>
+              </a:spcAft>
+              <a:defRPr sz="2000" kern="1200">
+                <a:solidFill>
+                  <a:schemeClr val="bg1"/>
+                </a:solidFill>
+                <a:latin typeface="Futura LT Book" pitchFamily="2" charset="0"/>
+                <a:ea typeface="굴림" charset="-127"/>
+                <a:cs typeface="+mn-cs"/>
+              </a:defRPr>
+            </a:lvl5pPr>
+            <a:lvl6pPr marL="2286000" algn="l" defTabSz="914400" rtl="0" eaLnBrk="1" latinLnBrk="0" hangingPunct="1">
+              <a:defRPr sz="2000" kern="1200">
+                <a:solidFill>
+                  <a:schemeClr val="bg1"/>
+                </a:solidFill>
+                <a:latin typeface="Futura LT Book" pitchFamily="2" charset="0"/>
+                <a:ea typeface="굴림" charset="-127"/>
+                <a:cs typeface="+mn-cs"/>
+              </a:defRPr>
+            </a:lvl6pPr>
+            <a:lvl7pPr marL="2743200" algn="l" defTabSz="914400" rtl="0" eaLnBrk="1" latinLnBrk="0" hangingPunct="1">
+              <a:defRPr sz="2000" kern="1200">
+                <a:solidFill>
+                  <a:schemeClr val="bg1"/>
+                </a:solidFill>
+                <a:latin typeface="Futura LT Book" pitchFamily="2" charset="0"/>
+                <a:ea typeface="굴림" charset="-127"/>
+                <a:cs typeface="+mn-cs"/>
+              </a:defRPr>
+            </a:lvl7pPr>
+            <a:lvl8pPr marL="3200400" algn="l" defTabSz="914400" rtl="0" eaLnBrk="1" latinLnBrk="0" hangingPunct="1">
+              <a:defRPr sz="2000" kern="1200">
+                <a:solidFill>
+                  <a:schemeClr val="bg1"/>
+                </a:solidFill>
+                <a:latin typeface="Futura LT Book" pitchFamily="2" charset="0"/>
+                <a:ea typeface="굴림" charset="-127"/>
+                <a:cs typeface="+mn-cs"/>
+              </a:defRPr>
+            </a:lvl8pPr>
+            <a:lvl9pPr marL="3657600" algn="l" defTabSz="914400" rtl="0" eaLnBrk="1" latinLnBrk="0" hangingPunct="1">
+              <a:defRPr sz="2000" kern="1200">
+                <a:solidFill>
+                  <a:schemeClr val="bg1"/>
+                </a:solidFill>
+                <a:latin typeface="Futura LT Book" pitchFamily="2" charset="0"/>
+                <a:ea typeface="굴림" charset="-127"/>
+                <a:cs typeface="+mn-cs"/>
+              </a:defRPr>
+            </a:lvl9pPr>
+          </a:lstStyle>
+          <a:p>
+            <a:pPr algn="r"/>
+            <a:fld id="{F3C024E0-34B0-439A-B45D-DA3346595B08}" type="slidenum">
+              <a:rPr lang="ru-RU" sz="1600" smtClean="0">
+                <a:solidFill>
+                  <a:schemeClr val="tx2">
+                    <a:lumMod val="85000"/>
+                    <a:lumOff val="15000"/>
+                  </a:schemeClr>
+                </a:solidFill>
+                <a:latin typeface="Open Sans" pitchFamily="2" charset="0"/>
+                <a:ea typeface="Open Sans" pitchFamily="2" charset="0"/>
+                <a:cs typeface="Open Sans" pitchFamily="2" charset="0"/>
+              </a:rPr>
+              <a:pPr algn="r"/>
+              <a:t>4</a:t>
+            </a:fld>
+            <a:endParaRPr lang="ru-RU" sz="1600" dirty="0">
+              <a:solidFill>
+                <a:schemeClr val="tx2">
+                  <a:lumMod val="85000"/>
+                  <a:lumOff val="15000"/>
+                </a:schemeClr>
+              </a:solidFill>
               <a:latin typeface="Open Sans" pitchFamily="2" charset="0"/>
               <a:ea typeface="Open Sans" pitchFamily="2" charset="0"/>
               <a:cs typeface="Open Sans" pitchFamily="2" charset="0"/>
@@ -6753,6 +8999,536 @@
           </a:p>
         </p:txBody>
       </p:sp>
+      <p:sp>
+        <p:nvSpPr>
+          <p:cNvPr id="5" name="Espace réservé de la date 1">
+            <a:extLst>
+              <a:ext uri="{FF2B5EF4-FFF2-40B4-BE49-F238E27FC236}">
+                <a16:creationId xmlns:a16="http://schemas.microsoft.com/office/drawing/2014/main" id="{BFE078C1-1290-C6B3-FFEC-66525695FE37}"/>
+              </a:ext>
+            </a:extLst>
+          </p:cNvPr>
+          <p:cNvSpPr txBox="1">
+            <a:spLocks/>
+          </p:cNvSpPr>
+          <p:nvPr/>
+        </p:nvSpPr>
+        <p:spPr>
+          <a:xfrm>
+            <a:off x="252499" y="6515968"/>
+            <a:ext cx="1656184" cy="302021"/>
+          </a:xfrm>
+          <a:prstGeom prst="rect">
+            <a:avLst/>
+          </a:prstGeom>
+        </p:spPr>
+        <p:txBody>
+          <a:bodyPr/>
+          <a:lstStyle>
+            <a:defPPr>
+              <a:defRPr lang="ru-RU"/>
+            </a:defPPr>
+            <a:lvl1pPr algn="l" rtl="0" fontAlgn="base">
+              <a:spcBef>
+                <a:spcPct val="0"/>
+              </a:spcBef>
+              <a:spcAft>
+                <a:spcPct val="0"/>
+              </a:spcAft>
+              <a:defRPr sz="2000" kern="1200">
+                <a:solidFill>
+                  <a:schemeClr val="bg1"/>
+                </a:solidFill>
+                <a:latin typeface="Futura LT Book" pitchFamily="2" charset="0"/>
+                <a:ea typeface="굴림" charset="-127"/>
+                <a:cs typeface="+mn-cs"/>
+              </a:defRPr>
+            </a:lvl1pPr>
+            <a:lvl2pPr marL="457200" algn="l" rtl="0" fontAlgn="base">
+              <a:spcBef>
+                <a:spcPct val="0"/>
+              </a:spcBef>
+              <a:spcAft>
+                <a:spcPct val="0"/>
+              </a:spcAft>
+              <a:defRPr sz="2000" kern="1200">
+                <a:solidFill>
+                  <a:schemeClr val="bg1"/>
+                </a:solidFill>
+                <a:latin typeface="Futura LT Book" pitchFamily="2" charset="0"/>
+                <a:ea typeface="굴림" charset="-127"/>
+                <a:cs typeface="+mn-cs"/>
+              </a:defRPr>
+            </a:lvl2pPr>
+            <a:lvl3pPr marL="914400" algn="l" rtl="0" fontAlgn="base">
+              <a:spcBef>
+                <a:spcPct val="0"/>
+              </a:spcBef>
+              <a:spcAft>
+                <a:spcPct val="0"/>
+              </a:spcAft>
+              <a:defRPr sz="2000" kern="1200">
+                <a:solidFill>
+                  <a:schemeClr val="bg1"/>
+                </a:solidFill>
+                <a:latin typeface="Futura LT Book" pitchFamily="2" charset="0"/>
+                <a:ea typeface="굴림" charset="-127"/>
+                <a:cs typeface="+mn-cs"/>
+              </a:defRPr>
+            </a:lvl3pPr>
+            <a:lvl4pPr marL="1371600" algn="l" rtl="0" fontAlgn="base">
+              <a:spcBef>
+                <a:spcPct val="0"/>
+              </a:spcBef>
+              <a:spcAft>
+                <a:spcPct val="0"/>
+              </a:spcAft>
+              <a:defRPr sz="2000" kern="1200">
+                <a:solidFill>
+                  <a:schemeClr val="bg1"/>
+                </a:solidFill>
+                <a:latin typeface="Futura LT Book" pitchFamily="2" charset="0"/>
+                <a:ea typeface="굴림" charset="-127"/>
+                <a:cs typeface="+mn-cs"/>
+              </a:defRPr>
+            </a:lvl4pPr>
+            <a:lvl5pPr marL="1828800" algn="l" rtl="0" fontAlgn="base">
+              <a:spcBef>
+                <a:spcPct val="0"/>
+              </a:spcBef>
+              <a:spcAft>
+                <a:spcPct val="0"/>
+              </a:spcAft>
+              <a:defRPr sz="2000" kern="1200">
+                <a:solidFill>
+                  <a:schemeClr val="bg1"/>
+                </a:solidFill>
+                <a:latin typeface="Futura LT Book" pitchFamily="2" charset="0"/>
+                <a:ea typeface="굴림" charset="-127"/>
+                <a:cs typeface="+mn-cs"/>
+              </a:defRPr>
+            </a:lvl5pPr>
+            <a:lvl6pPr marL="2286000" algn="l" defTabSz="914400" rtl="0" eaLnBrk="1" latinLnBrk="0" hangingPunct="1">
+              <a:defRPr sz="2000" kern="1200">
+                <a:solidFill>
+                  <a:schemeClr val="bg1"/>
+                </a:solidFill>
+                <a:latin typeface="Futura LT Book" pitchFamily="2" charset="0"/>
+                <a:ea typeface="굴림" charset="-127"/>
+                <a:cs typeface="+mn-cs"/>
+              </a:defRPr>
+            </a:lvl6pPr>
+            <a:lvl7pPr marL="2743200" algn="l" defTabSz="914400" rtl="0" eaLnBrk="1" latinLnBrk="0" hangingPunct="1">
+              <a:defRPr sz="2000" kern="1200">
+                <a:solidFill>
+                  <a:schemeClr val="bg1"/>
+                </a:solidFill>
+                <a:latin typeface="Futura LT Book" pitchFamily="2" charset="0"/>
+                <a:ea typeface="굴림" charset="-127"/>
+                <a:cs typeface="+mn-cs"/>
+              </a:defRPr>
+            </a:lvl7pPr>
+            <a:lvl8pPr marL="3200400" algn="l" defTabSz="914400" rtl="0" eaLnBrk="1" latinLnBrk="0" hangingPunct="1">
+              <a:defRPr sz="2000" kern="1200">
+                <a:solidFill>
+                  <a:schemeClr val="bg1"/>
+                </a:solidFill>
+                <a:latin typeface="Futura LT Book" pitchFamily="2" charset="0"/>
+                <a:ea typeface="굴림" charset="-127"/>
+                <a:cs typeface="+mn-cs"/>
+              </a:defRPr>
+            </a:lvl8pPr>
+            <a:lvl9pPr marL="3657600" algn="l" defTabSz="914400" rtl="0" eaLnBrk="1" latinLnBrk="0" hangingPunct="1">
+              <a:defRPr sz="2000" kern="1200">
+                <a:solidFill>
+                  <a:schemeClr val="bg1"/>
+                </a:solidFill>
+                <a:latin typeface="Futura LT Book" pitchFamily="2" charset="0"/>
+                <a:ea typeface="굴림" charset="-127"/>
+                <a:cs typeface="+mn-cs"/>
+              </a:defRPr>
+            </a:lvl9pPr>
+          </a:lstStyle>
+          <a:p>
+            <a:fld id="{DE689F20-F847-4534-8E47-71A18D083FC1}" type="datetime1">
+              <a:rPr lang="fr-FR" sz="1600" smtClean="0">
+                <a:solidFill>
+                  <a:schemeClr val="tx2">
+                    <a:lumMod val="85000"/>
+                    <a:lumOff val="15000"/>
+                  </a:schemeClr>
+                </a:solidFill>
+                <a:latin typeface="Open Sans" pitchFamily="2" charset="0"/>
+                <a:ea typeface="Open Sans" pitchFamily="2" charset="0"/>
+                <a:cs typeface="Open Sans" pitchFamily="2" charset="0"/>
+              </a:rPr>
+              <a:pPr/>
+              <a:t>23/01/2023</a:t>
+            </a:fld>
+            <a:endParaRPr lang="ru-RU" sz="1600" dirty="0">
+              <a:solidFill>
+                <a:schemeClr val="tx2">
+                  <a:lumMod val="85000"/>
+                  <a:lumOff val="15000"/>
+                </a:schemeClr>
+              </a:solidFill>
+              <a:latin typeface="Open Sans" pitchFamily="2" charset="0"/>
+              <a:ea typeface="Open Sans" pitchFamily="2" charset="0"/>
+              <a:cs typeface="Open Sans" pitchFamily="2" charset="0"/>
+            </a:endParaRPr>
+          </a:p>
+        </p:txBody>
+      </p:sp>
+      <p:sp>
+        <p:nvSpPr>
+          <p:cNvPr id="6" name="Espace réservé du pied de page 2">
+            <a:extLst>
+              <a:ext uri="{FF2B5EF4-FFF2-40B4-BE49-F238E27FC236}">
+                <a16:creationId xmlns:a16="http://schemas.microsoft.com/office/drawing/2014/main" id="{C8FDA1E6-B05C-C244-5138-6EFC9FFF74B8}"/>
+              </a:ext>
+            </a:extLst>
+          </p:cNvPr>
+          <p:cNvSpPr txBox="1">
+            <a:spLocks/>
+          </p:cNvSpPr>
+          <p:nvPr/>
+        </p:nvSpPr>
+        <p:spPr>
+          <a:xfrm>
+            <a:off x="2722033" y="6525344"/>
+            <a:ext cx="3699933" cy="302021"/>
+          </a:xfrm>
+          <a:prstGeom prst="rect">
+            <a:avLst/>
+          </a:prstGeom>
+        </p:spPr>
+        <p:txBody>
+          <a:bodyPr/>
+          <a:lstStyle>
+            <a:defPPr>
+              <a:defRPr lang="ru-RU"/>
+            </a:defPPr>
+            <a:lvl1pPr algn="l" rtl="0" fontAlgn="base">
+              <a:spcBef>
+                <a:spcPct val="0"/>
+              </a:spcBef>
+              <a:spcAft>
+                <a:spcPct val="0"/>
+              </a:spcAft>
+              <a:defRPr sz="2000" kern="1200">
+                <a:solidFill>
+                  <a:schemeClr val="bg1"/>
+                </a:solidFill>
+                <a:latin typeface="Futura LT Book" pitchFamily="2" charset="0"/>
+                <a:ea typeface="굴림" charset="-127"/>
+                <a:cs typeface="+mn-cs"/>
+              </a:defRPr>
+            </a:lvl1pPr>
+            <a:lvl2pPr marL="457200" algn="l" rtl="0" fontAlgn="base">
+              <a:spcBef>
+                <a:spcPct val="0"/>
+              </a:spcBef>
+              <a:spcAft>
+                <a:spcPct val="0"/>
+              </a:spcAft>
+              <a:defRPr sz="2000" kern="1200">
+                <a:solidFill>
+                  <a:schemeClr val="bg1"/>
+                </a:solidFill>
+                <a:latin typeface="Futura LT Book" pitchFamily="2" charset="0"/>
+                <a:ea typeface="굴림" charset="-127"/>
+                <a:cs typeface="+mn-cs"/>
+              </a:defRPr>
+            </a:lvl2pPr>
+            <a:lvl3pPr marL="914400" algn="l" rtl="0" fontAlgn="base">
+              <a:spcBef>
+                <a:spcPct val="0"/>
+              </a:spcBef>
+              <a:spcAft>
+                <a:spcPct val="0"/>
+              </a:spcAft>
+              <a:defRPr sz="2000" kern="1200">
+                <a:solidFill>
+                  <a:schemeClr val="bg1"/>
+                </a:solidFill>
+                <a:latin typeface="Futura LT Book" pitchFamily="2" charset="0"/>
+                <a:ea typeface="굴림" charset="-127"/>
+                <a:cs typeface="+mn-cs"/>
+              </a:defRPr>
+            </a:lvl3pPr>
+            <a:lvl4pPr marL="1371600" algn="l" rtl="0" fontAlgn="base">
+              <a:spcBef>
+                <a:spcPct val="0"/>
+              </a:spcBef>
+              <a:spcAft>
+                <a:spcPct val="0"/>
+              </a:spcAft>
+              <a:defRPr sz="2000" kern="1200">
+                <a:solidFill>
+                  <a:schemeClr val="bg1"/>
+                </a:solidFill>
+                <a:latin typeface="Futura LT Book" pitchFamily="2" charset="0"/>
+                <a:ea typeface="굴림" charset="-127"/>
+                <a:cs typeface="+mn-cs"/>
+              </a:defRPr>
+            </a:lvl4pPr>
+            <a:lvl5pPr marL="1828800" algn="l" rtl="0" fontAlgn="base">
+              <a:spcBef>
+                <a:spcPct val="0"/>
+              </a:spcBef>
+              <a:spcAft>
+                <a:spcPct val="0"/>
+              </a:spcAft>
+              <a:defRPr sz="2000" kern="1200">
+                <a:solidFill>
+                  <a:schemeClr val="bg1"/>
+                </a:solidFill>
+                <a:latin typeface="Futura LT Book" pitchFamily="2" charset="0"/>
+                <a:ea typeface="굴림" charset="-127"/>
+                <a:cs typeface="+mn-cs"/>
+              </a:defRPr>
+            </a:lvl5pPr>
+            <a:lvl6pPr marL="2286000" algn="l" defTabSz="914400" rtl="0" eaLnBrk="1" latinLnBrk="0" hangingPunct="1">
+              <a:defRPr sz="2000" kern="1200">
+                <a:solidFill>
+                  <a:schemeClr val="bg1"/>
+                </a:solidFill>
+                <a:latin typeface="Futura LT Book" pitchFamily="2" charset="0"/>
+                <a:ea typeface="굴림" charset="-127"/>
+                <a:cs typeface="+mn-cs"/>
+              </a:defRPr>
+            </a:lvl6pPr>
+            <a:lvl7pPr marL="2743200" algn="l" defTabSz="914400" rtl="0" eaLnBrk="1" latinLnBrk="0" hangingPunct="1">
+              <a:defRPr sz="2000" kern="1200">
+                <a:solidFill>
+                  <a:schemeClr val="bg1"/>
+                </a:solidFill>
+                <a:latin typeface="Futura LT Book" pitchFamily="2" charset="0"/>
+                <a:ea typeface="굴림" charset="-127"/>
+                <a:cs typeface="+mn-cs"/>
+              </a:defRPr>
+            </a:lvl7pPr>
+            <a:lvl8pPr marL="3200400" algn="l" defTabSz="914400" rtl="0" eaLnBrk="1" latinLnBrk="0" hangingPunct="1">
+              <a:defRPr sz="2000" kern="1200">
+                <a:solidFill>
+                  <a:schemeClr val="bg1"/>
+                </a:solidFill>
+                <a:latin typeface="Futura LT Book" pitchFamily="2" charset="0"/>
+                <a:ea typeface="굴림" charset="-127"/>
+                <a:cs typeface="+mn-cs"/>
+              </a:defRPr>
+            </a:lvl8pPr>
+            <a:lvl9pPr marL="3657600" algn="l" defTabSz="914400" rtl="0" eaLnBrk="1" latinLnBrk="0" hangingPunct="1">
+              <a:defRPr sz="2000" kern="1200">
+                <a:solidFill>
+                  <a:schemeClr val="bg1"/>
+                </a:solidFill>
+                <a:latin typeface="Futura LT Book" pitchFamily="2" charset="0"/>
+                <a:ea typeface="굴림" charset="-127"/>
+                <a:cs typeface="+mn-cs"/>
+              </a:defRPr>
+            </a:lvl9pPr>
+          </a:lstStyle>
+          <a:p>
+            <a:pPr algn="ctr"/>
+            <a:r>
+              <a:rPr lang="fr-FR" sz="1600" dirty="0">
+                <a:solidFill>
+                  <a:schemeClr val="tx2">
+                    <a:lumMod val="85000"/>
+                    <a:lumOff val="15000"/>
+                  </a:schemeClr>
+                </a:solidFill>
+                <a:latin typeface="Open Sans" pitchFamily="2" charset="0"/>
+                <a:ea typeface="Open Sans" pitchFamily="2" charset="0"/>
+                <a:cs typeface="Open Sans" pitchFamily="2" charset="0"/>
+              </a:rPr>
+              <a:t>Projet BDR</a:t>
+            </a:r>
+          </a:p>
+        </p:txBody>
+      </p:sp>
+      <p:sp>
+        <p:nvSpPr>
+          <p:cNvPr id="7" name="Espace réservé du numéro de diapositive 3">
+            <a:extLst>
+              <a:ext uri="{FF2B5EF4-FFF2-40B4-BE49-F238E27FC236}">
+                <a16:creationId xmlns:a16="http://schemas.microsoft.com/office/drawing/2014/main" id="{B47BCD17-21BA-22C1-10EC-EC4DC848F821}"/>
+              </a:ext>
+            </a:extLst>
+          </p:cNvPr>
+          <p:cNvSpPr txBox="1">
+            <a:spLocks/>
+          </p:cNvSpPr>
+          <p:nvPr/>
+        </p:nvSpPr>
+        <p:spPr>
+          <a:xfrm>
+            <a:off x="8422072" y="6525344"/>
+            <a:ext cx="504056" cy="302022"/>
+          </a:xfrm>
+          <a:prstGeom prst="rect">
+            <a:avLst/>
+          </a:prstGeom>
+        </p:spPr>
+        <p:txBody>
+          <a:bodyPr/>
+          <a:lstStyle>
+            <a:defPPr>
+              <a:defRPr lang="ru-RU"/>
+            </a:defPPr>
+            <a:lvl1pPr algn="l" rtl="0" fontAlgn="base">
+              <a:spcBef>
+                <a:spcPct val="0"/>
+              </a:spcBef>
+              <a:spcAft>
+                <a:spcPct val="0"/>
+              </a:spcAft>
+              <a:defRPr sz="2000" kern="1200">
+                <a:solidFill>
+                  <a:schemeClr val="bg1"/>
+                </a:solidFill>
+                <a:latin typeface="Futura LT Book" pitchFamily="2" charset="0"/>
+                <a:ea typeface="굴림" charset="-127"/>
+                <a:cs typeface="+mn-cs"/>
+              </a:defRPr>
+            </a:lvl1pPr>
+            <a:lvl2pPr marL="457200" algn="l" rtl="0" fontAlgn="base">
+              <a:spcBef>
+                <a:spcPct val="0"/>
+              </a:spcBef>
+              <a:spcAft>
+                <a:spcPct val="0"/>
+              </a:spcAft>
+              <a:defRPr sz="2000" kern="1200">
+                <a:solidFill>
+                  <a:schemeClr val="bg1"/>
+                </a:solidFill>
+                <a:latin typeface="Futura LT Book" pitchFamily="2" charset="0"/>
+                <a:ea typeface="굴림" charset="-127"/>
+                <a:cs typeface="+mn-cs"/>
+              </a:defRPr>
+            </a:lvl2pPr>
+            <a:lvl3pPr marL="914400" algn="l" rtl="0" fontAlgn="base">
+              <a:spcBef>
+                <a:spcPct val="0"/>
+              </a:spcBef>
+              <a:spcAft>
+                <a:spcPct val="0"/>
+              </a:spcAft>
+              <a:defRPr sz="2000" kern="1200">
+                <a:solidFill>
+                  <a:schemeClr val="bg1"/>
+                </a:solidFill>
+                <a:latin typeface="Futura LT Book" pitchFamily="2" charset="0"/>
+                <a:ea typeface="굴림" charset="-127"/>
+                <a:cs typeface="+mn-cs"/>
+              </a:defRPr>
+            </a:lvl3pPr>
+            <a:lvl4pPr marL="1371600" algn="l" rtl="0" fontAlgn="base">
+              <a:spcBef>
+                <a:spcPct val="0"/>
+              </a:spcBef>
+              <a:spcAft>
+                <a:spcPct val="0"/>
+              </a:spcAft>
+              <a:defRPr sz="2000" kern="1200">
+                <a:solidFill>
+                  <a:schemeClr val="bg1"/>
+                </a:solidFill>
+                <a:latin typeface="Futura LT Book" pitchFamily="2" charset="0"/>
+                <a:ea typeface="굴림" charset="-127"/>
+                <a:cs typeface="+mn-cs"/>
+              </a:defRPr>
+            </a:lvl4pPr>
+            <a:lvl5pPr marL="1828800" algn="l" rtl="0" fontAlgn="base">
+              <a:spcBef>
+                <a:spcPct val="0"/>
+              </a:spcBef>
+              <a:spcAft>
+                <a:spcPct val="0"/>
+              </a:spcAft>
+              <a:defRPr sz="2000" kern="1200">
+                <a:solidFill>
+                  <a:schemeClr val="bg1"/>
+                </a:solidFill>
+                <a:latin typeface="Futura LT Book" pitchFamily="2" charset="0"/>
+                <a:ea typeface="굴림" charset="-127"/>
+                <a:cs typeface="+mn-cs"/>
+              </a:defRPr>
+            </a:lvl5pPr>
+            <a:lvl6pPr marL="2286000" algn="l" defTabSz="914400" rtl="0" eaLnBrk="1" latinLnBrk="0" hangingPunct="1">
+              <a:defRPr sz="2000" kern="1200">
+                <a:solidFill>
+                  <a:schemeClr val="bg1"/>
+                </a:solidFill>
+                <a:latin typeface="Futura LT Book" pitchFamily="2" charset="0"/>
+                <a:ea typeface="굴림" charset="-127"/>
+                <a:cs typeface="+mn-cs"/>
+              </a:defRPr>
+            </a:lvl6pPr>
+            <a:lvl7pPr marL="2743200" algn="l" defTabSz="914400" rtl="0" eaLnBrk="1" latinLnBrk="0" hangingPunct="1">
+              <a:defRPr sz="2000" kern="1200">
+                <a:solidFill>
+                  <a:schemeClr val="bg1"/>
+                </a:solidFill>
+                <a:latin typeface="Futura LT Book" pitchFamily="2" charset="0"/>
+                <a:ea typeface="굴림" charset="-127"/>
+                <a:cs typeface="+mn-cs"/>
+              </a:defRPr>
+            </a:lvl7pPr>
+            <a:lvl8pPr marL="3200400" algn="l" defTabSz="914400" rtl="0" eaLnBrk="1" latinLnBrk="0" hangingPunct="1">
+              <a:defRPr sz="2000" kern="1200">
+                <a:solidFill>
+                  <a:schemeClr val="bg1"/>
+                </a:solidFill>
+                <a:latin typeface="Futura LT Book" pitchFamily="2" charset="0"/>
+                <a:ea typeface="굴림" charset="-127"/>
+                <a:cs typeface="+mn-cs"/>
+              </a:defRPr>
+            </a:lvl8pPr>
+            <a:lvl9pPr marL="3657600" algn="l" defTabSz="914400" rtl="0" eaLnBrk="1" latinLnBrk="0" hangingPunct="1">
+              <a:defRPr sz="2000" kern="1200">
+                <a:solidFill>
+                  <a:schemeClr val="bg1"/>
+                </a:solidFill>
+                <a:latin typeface="Futura LT Book" pitchFamily="2" charset="0"/>
+                <a:ea typeface="굴림" charset="-127"/>
+                <a:cs typeface="+mn-cs"/>
+              </a:defRPr>
+            </a:lvl9pPr>
+          </a:lstStyle>
+          <a:p>
+            <a:pPr algn="r"/>
+            <a:fld id="{F3C024E0-34B0-439A-B45D-DA3346595B08}" type="slidenum">
+              <a:rPr lang="ru-RU" sz="1600" smtClean="0">
+                <a:solidFill>
+                  <a:schemeClr val="tx2">
+                    <a:lumMod val="85000"/>
+                    <a:lumOff val="15000"/>
+                  </a:schemeClr>
+                </a:solidFill>
+                <a:latin typeface="Open Sans" pitchFamily="2" charset="0"/>
+                <a:ea typeface="Open Sans" pitchFamily="2" charset="0"/>
+                <a:cs typeface="Open Sans" pitchFamily="2" charset="0"/>
+              </a:rPr>
+              <a:pPr algn="r"/>
+              <a:t>5</a:t>
+            </a:fld>
+            <a:endParaRPr lang="ru-RU" sz="1600" dirty="0">
+              <a:solidFill>
+                <a:schemeClr val="tx2">
+                  <a:lumMod val="85000"/>
+                  <a:lumOff val="15000"/>
+                </a:schemeClr>
+              </a:solidFill>
+              <a:latin typeface="Open Sans" pitchFamily="2" charset="0"/>
+              <a:ea typeface="Open Sans" pitchFamily="2" charset="0"/>
+              <a:cs typeface="Open Sans" pitchFamily="2" charset="0"/>
+            </a:endParaRPr>
+          </a:p>
+        </p:txBody>
+      </p:sp>
     </p:spTree>
     <p:extLst>
       <p:ext uri="{BB962C8B-B14F-4D97-AF65-F5344CB8AC3E}">
@@ -6846,6 +9622,536 @@
           </a:p>
         </p:txBody>
       </p:sp>
+      <p:sp>
+        <p:nvSpPr>
+          <p:cNvPr id="5" name="Espace réservé de la date 1">
+            <a:extLst>
+              <a:ext uri="{FF2B5EF4-FFF2-40B4-BE49-F238E27FC236}">
+                <a16:creationId xmlns:a16="http://schemas.microsoft.com/office/drawing/2014/main" id="{61F4C9B2-BD6E-D363-A799-BE31C9FA4662}"/>
+              </a:ext>
+            </a:extLst>
+          </p:cNvPr>
+          <p:cNvSpPr txBox="1">
+            <a:spLocks/>
+          </p:cNvSpPr>
+          <p:nvPr/>
+        </p:nvSpPr>
+        <p:spPr>
+          <a:xfrm>
+            <a:off x="252499" y="6515968"/>
+            <a:ext cx="1656184" cy="302021"/>
+          </a:xfrm>
+          <a:prstGeom prst="rect">
+            <a:avLst/>
+          </a:prstGeom>
+        </p:spPr>
+        <p:txBody>
+          <a:bodyPr/>
+          <a:lstStyle>
+            <a:defPPr>
+              <a:defRPr lang="ru-RU"/>
+            </a:defPPr>
+            <a:lvl1pPr algn="l" rtl="0" fontAlgn="base">
+              <a:spcBef>
+                <a:spcPct val="0"/>
+              </a:spcBef>
+              <a:spcAft>
+                <a:spcPct val="0"/>
+              </a:spcAft>
+              <a:defRPr sz="2000" kern="1200">
+                <a:solidFill>
+                  <a:schemeClr val="bg1"/>
+                </a:solidFill>
+                <a:latin typeface="Futura LT Book" pitchFamily="2" charset="0"/>
+                <a:ea typeface="굴림" charset="-127"/>
+                <a:cs typeface="+mn-cs"/>
+              </a:defRPr>
+            </a:lvl1pPr>
+            <a:lvl2pPr marL="457200" algn="l" rtl="0" fontAlgn="base">
+              <a:spcBef>
+                <a:spcPct val="0"/>
+              </a:spcBef>
+              <a:spcAft>
+                <a:spcPct val="0"/>
+              </a:spcAft>
+              <a:defRPr sz="2000" kern="1200">
+                <a:solidFill>
+                  <a:schemeClr val="bg1"/>
+                </a:solidFill>
+                <a:latin typeface="Futura LT Book" pitchFamily="2" charset="0"/>
+                <a:ea typeface="굴림" charset="-127"/>
+                <a:cs typeface="+mn-cs"/>
+              </a:defRPr>
+            </a:lvl2pPr>
+            <a:lvl3pPr marL="914400" algn="l" rtl="0" fontAlgn="base">
+              <a:spcBef>
+                <a:spcPct val="0"/>
+              </a:spcBef>
+              <a:spcAft>
+                <a:spcPct val="0"/>
+              </a:spcAft>
+              <a:defRPr sz="2000" kern="1200">
+                <a:solidFill>
+                  <a:schemeClr val="bg1"/>
+                </a:solidFill>
+                <a:latin typeface="Futura LT Book" pitchFamily="2" charset="0"/>
+                <a:ea typeface="굴림" charset="-127"/>
+                <a:cs typeface="+mn-cs"/>
+              </a:defRPr>
+            </a:lvl3pPr>
+            <a:lvl4pPr marL="1371600" algn="l" rtl="0" fontAlgn="base">
+              <a:spcBef>
+                <a:spcPct val="0"/>
+              </a:spcBef>
+              <a:spcAft>
+                <a:spcPct val="0"/>
+              </a:spcAft>
+              <a:defRPr sz="2000" kern="1200">
+                <a:solidFill>
+                  <a:schemeClr val="bg1"/>
+                </a:solidFill>
+                <a:latin typeface="Futura LT Book" pitchFamily="2" charset="0"/>
+                <a:ea typeface="굴림" charset="-127"/>
+                <a:cs typeface="+mn-cs"/>
+              </a:defRPr>
+            </a:lvl4pPr>
+            <a:lvl5pPr marL="1828800" algn="l" rtl="0" fontAlgn="base">
+              <a:spcBef>
+                <a:spcPct val="0"/>
+              </a:spcBef>
+              <a:spcAft>
+                <a:spcPct val="0"/>
+              </a:spcAft>
+              <a:defRPr sz="2000" kern="1200">
+                <a:solidFill>
+                  <a:schemeClr val="bg1"/>
+                </a:solidFill>
+                <a:latin typeface="Futura LT Book" pitchFamily="2" charset="0"/>
+                <a:ea typeface="굴림" charset="-127"/>
+                <a:cs typeface="+mn-cs"/>
+              </a:defRPr>
+            </a:lvl5pPr>
+            <a:lvl6pPr marL="2286000" algn="l" defTabSz="914400" rtl="0" eaLnBrk="1" latinLnBrk="0" hangingPunct="1">
+              <a:defRPr sz="2000" kern="1200">
+                <a:solidFill>
+                  <a:schemeClr val="bg1"/>
+                </a:solidFill>
+                <a:latin typeface="Futura LT Book" pitchFamily="2" charset="0"/>
+                <a:ea typeface="굴림" charset="-127"/>
+                <a:cs typeface="+mn-cs"/>
+              </a:defRPr>
+            </a:lvl6pPr>
+            <a:lvl7pPr marL="2743200" algn="l" defTabSz="914400" rtl="0" eaLnBrk="1" latinLnBrk="0" hangingPunct="1">
+              <a:defRPr sz="2000" kern="1200">
+                <a:solidFill>
+                  <a:schemeClr val="bg1"/>
+                </a:solidFill>
+                <a:latin typeface="Futura LT Book" pitchFamily="2" charset="0"/>
+                <a:ea typeface="굴림" charset="-127"/>
+                <a:cs typeface="+mn-cs"/>
+              </a:defRPr>
+            </a:lvl7pPr>
+            <a:lvl8pPr marL="3200400" algn="l" defTabSz="914400" rtl="0" eaLnBrk="1" latinLnBrk="0" hangingPunct="1">
+              <a:defRPr sz="2000" kern="1200">
+                <a:solidFill>
+                  <a:schemeClr val="bg1"/>
+                </a:solidFill>
+                <a:latin typeface="Futura LT Book" pitchFamily="2" charset="0"/>
+                <a:ea typeface="굴림" charset="-127"/>
+                <a:cs typeface="+mn-cs"/>
+              </a:defRPr>
+            </a:lvl8pPr>
+            <a:lvl9pPr marL="3657600" algn="l" defTabSz="914400" rtl="0" eaLnBrk="1" latinLnBrk="0" hangingPunct="1">
+              <a:defRPr sz="2000" kern="1200">
+                <a:solidFill>
+                  <a:schemeClr val="bg1"/>
+                </a:solidFill>
+                <a:latin typeface="Futura LT Book" pitchFamily="2" charset="0"/>
+                <a:ea typeface="굴림" charset="-127"/>
+                <a:cs typeface="+mn-cs"/>
+              </a:defRPr>
+            </a:lvl9pPr>
+          </a:lstStyle>
+          <a:p>
+            <a:fld id="{DE689F20-F847-4534-8E47-71A18D083FC1}" type="datetime1">
+              <a:rPr lang="fr-FR" sz="1600" smtClean="0">
+                <a:solidFill>
+                  <a:schemeClr val="tx2">
+                    <a:lumMod val="85000"/>
+                    <a:lumOff val="15000"/>
+                  </a:schemeClr>
+                </a:solidFill>
+                <a:latin typeface="Open Sans" pitchFamily="2" charset="0"/>
+                <a:ea typeface="Open Sans" pitchFamily="2" charset="0"/>
+                <a:cs typeface="Open Sans" pitchFamily="2" charset="0"/>
+              </a:rPr>
+              <a:pPr/>
+              <a:t>23/01/2023</a:t>
+            </a:fld>
+            <a:endParaRPr lang="ru-RU" sz="1600" dirty="0">
+              <a:solidFill>
+                <a:schemeClr val="tx2">
+                  <a:lumMod val="85000"/>
+                  <a:lumOff val="15000"/>
+                </a:schemeClr>
+              </a:solidFill>
+              <a:latin typeface="Open Sans" pitchFamily="2" charset="0"/>
+              <a:ea typeface="Open Sans" pitchFamily="2" charset="0"/>
+              <a:cs typeface="Open Sans" pitchFamily="2" charset="0"/>
+            </a:endParaRPr>
+          </a:p>
+        </p:txBody>
+      </p:sp>
+      <p:sp>
+        <p:nvSpPr>
+          <p:cNvPr id="6" name="Espace réservé du pied de page 2">
+            <a:extLst>
+              <a:ext uri="{FF2B5EF4-FFF2-40B4-BE49-F238E27FC236}">
+                <a16:creationId xmlns:a16="http://schemas.microsoft.com/office/drawing/2014/main" id="{20769FEF-1A59-6AD7-F66E-CE80AF46EDA8}"/>
+              </a:ext>
+            </a:extLst>
+          </p:cNvPr>
+          <p:cNvSpPr txBox="1">
+            <a:spLocks/>
+          </p:cNvSpPr>
+          <p:nvPr/>
+        </p:nvSpPr>
+        <p:spPr>
+          <a:xfrm>
+            <a:off x="2722033" y="6525344"/>
+            <a:ext cx="3699933" cy="302021"/>
+          </a:xfrm>
+          <a:prstGeom prst="rect">
+            <a:avLst/>
+          </a:prstGeom>
+        </p:spPr>
+        <p:txBody>
+          <a:bodyPr/>
+          <a:lstStyle>
+            <a:defPPr>
+              <a:defRPr lang="ru-RU"/>
+            </a:defPPr>
+            <a:lvl1pPr algn="l" rtl="0" fontAlgn="base">
+              <a:spcBef>
+                <a:spcPct val="0"/>
+              </a:spcBef>
+              <a:spcAft>
+                <a:spcPct val="0"/>
+              </a:spcAft>
+              <a:defRPr sz="2000" kern="1200">
+                <a:solidFill>
+                  <a:schemeClr val="bg1"/>
+                </a:solidFill>
+                <a:latin typeface="Futura LT Book" pitchFamily="2" charset="0"/>
+                <a:ea typeface="굴림" charset="-127"/>
+                <a:cs typeface="+mn-cs"/>
+              </a:defRPr>
+            </a:lvl1pPr>
+            <a:lvl2pPr marL="457200" algn="l" rtl="0" fontAlgn="base">
+              <a:spcBef>
+                <a:spcPct val="0"/>
+              </a:spcBef>
+              <a:spcAft>
+                <a:spcPct val="0"/>
+              </a:spcAft>
+              <a:defRPr sz="2000" kern="1200">
+                <a:solidFill>
+                  <a:schemeClr val="bg1"/>
+                </a:solidFill>
+                <a:latin typeface="Futura LT Book" pitchFamily="2" charset="0"/>
+                <a:ea typeface="굴림" charset="-127"/>
+                <a:cs typeface="+mn-cs"/>
+              </a:defRPr>
+            </a:lvl2pPr>
+            <a:lvl3pPr marL="914400" algn="l" rtl="0" fontAlgn="base">
+              <a:spcBef>
+                <a:spcPct val="0"/>
+              </a:spcBef>
+              <a:spcAft>
+                <a:spcPct val="0"/>
+              </a:spcAft>
+              <a:defRPr sz="2000" kern="1200">
+                <a:solidFill>
+                  <a:schemeClr val="bg1"/>
+                </a:solidFill>
+                <a:latin typeface="Futura LT Book" pitchFamily="2" charset="0"/>
+                <a:ea typeface="굴림" charset="-127"/>
+                <a:cs typeface="+mn-cs"/>
+              </a:defRPr>
+            </a:lvl3pPr>
+            <a:lvl4pPr marL="1371600" algn="l" rtl="0" fontAlgn="base">
+              <a:spcBef>
+                <a:spcPct val="0"/>
+              </a:spcBef>
+              <a:spcAft>
+                <a:spcPct val="0"/>
+              </a:spcAft>
+              <a:defRPr sz="2000" kern="1200">
+                <a:solidFill>
+                  <a:schemeClr val="bg1"/>
+                </a:solidFill>
+                <a:latin typeface="Futura LT Book" pitchFamily="2" charset="0"/>
+                <a:ea typeface="굴림" charset="-127"/>
+                <a:cs typeface="+mn-cs"/>
+              </a:defRPr>
+            </a:lvl4pPr>
+            <a:lvl5pPr marL="1828800" algn="l" rtl="0" fontAlgn="base">
+              <a:spcBef>
+                <a:spcPct val="0"/>
+              </a:spcBef>
+              <a:spcAft>
+                <a:spcPct val="0"/>
+              </a:spcAft>
+              <a:defRPr sz="2000" kern="1200">
+                <a:solidFill>
+                  <a:schemeClr val="bg1"/>
+                </a:solidFill>
+                <a:latin typeface="Futura LT Book" pitchFamily="2" charset="0"/>
+                <a:ea typeface="굴림" charset="-127"/>
+                <a:cs typeface="+mn-cs"/>
+              </a:defRPr>
+            </a:lvl5pPr>
+            <a:lvl6pPr marL="2286000" algn="l" defTabSz="914400" rtl="0" eaLnBrk="1" latinLnBrk="0" hangingPunct="1">
+              <a:defRPr sz="2000" kern="1200">
+                <a:solidFill>
+                  <a:schemeClr val="bg1"/>
+                </a:solidFill>
+                <a:latin typeface="Futura LT Book" pitchFamily="2" charset="0"/>
+                <a:ea typeface="굴림" charset="-127"/>
+                <a:cs typeface="+mn-cs"/>
+              </a:defRPr>
+            </a:lvl6pPr>
+            <a:lvl7pPr marL="2743200" algn="l" defTabSz="914400" rtl="0" eaLnBrk="1" latinLnBrk="0" hangingPunct="1">
+              <a:defRPr sz="2000" kern="1200">
+                <a:solidFill>
+                  <a:schemeClr val="bg1"/>
+                </a:solidFill>
+                <a:latin typeface="Futura LT Book" pitchFamily="2" charset="0"/>
+                <a:ea typeface="굴림" charset="-127"/>
+                <a:cs typeface="+mn-cs"/>
+              </a:defRPr>
+            </a:lvl7pPr>
+            <a:lvl8pPr marL="3200400" algn="l" defTabSz="914400" rtl="0" eaLnBrk="1" latinLnBrk="0" hangingPunct="1">
+              <a:defRPr sz="2000" kern="1200">
+                <a:solidFill>
+                  <a:schemeClr val="bg1"/>
+                </a:solidFill>
+                <a:latin typeface="Futura LT Book" pitchFamily="2" charset="0"/>
+                <a:ea typeface="굴림" charset="-127"/>
+                <a:cs typeface="+mn-cs"/>
+              </a:defRPr>
+            </a:lvl8pPr>
+            <a:lvl9pPr marL="3657600" algn="l" defTabSz="914400" rtl="0" eaLnBrk="1" latinLnBrk="0" hangingPunct="1">
+              <a:defRPr sz="2000" kern="1200">
+                <a:solidFill>
+                  <a:schemeClr val="bg1"/>
+                </a:solidFill>
+                <a:latin typeface="Futura LT Book" pitchFamily="2" charset="0"/>
+                <a:ea typeface="굴림" charset="-127"/>
+                <a:cs typeface="+mn-cs"/>
+              </a:defRPr>
+            </a:lvl9pPr>
+          </a:lstStyle>
+          <a:p>
+            <a:pPr algn="ctr"/>
+            <a:r>
+              <a:rPr lang="fr-FR" sz="1600" dirty="0">
+                <a:solidFill>
+                  <a:schemeClr val="tx2">
+                    <a:lumMod val="85000"/>
+                    <a:lumOff val="15000"/>
+                  </a:schemeClr>
+                </a:solidFill>
+                <a:latin typeface="Open Sans" pitchFamily="2" charset="0"/>
+                <a:ea typeface="Open Sans" pitchFamily="2" charset="0"/>
+                <a:cs typeface="Open Sans" pitchFamily="2" charset="0"/>
+              </a:rPr>
+              <a:t>Projet BDR</a:t>
+            </a:r>
+          </a:p>
+        </p:txBody>
+      </p:sp>
+      <p:sp>
+        <p:nvSpPr>
+          <p:cNvPr id="7" name="Espace réservé du numéro de diapositive 3">
+            <a:extLst>
+              <a:ext uri="{FF2B5EF4-FFF2-40B4-BE49-F238E27FC236}">
+                <a16:creationId xmlns:a16="http://schemas.microsoft.com/office/drawing/2014/main" id="{30CFAADE-E2C7-68F4-19D8-C9B3946576A6}"/>
+              </a:ext>
+            </a:extLst>
+          </p:cNvPr>
+          <p:cNvSpPr txBox="1">
+            <a:spLocks/>
+          </p:cNvSpPr>
+          <p:nvPr/>
+        </p:nvSpPr>
+        <p:spPr>
+          <a:xfrm>
+            <a:off x="8422072" y="6525344"/>
+            <a:ext cx="504056" cy="302022"/>
+          </a:xfrm>
+          <a:prstGeom prst="rect">
+            <a:avLst/>
+          </a:prstGeom>
+        </p:spPr>
+        <p:txBody>
+          <a:bodyPr/>
+          <a:lstStyle>
+            <a:defPPr>
+              <a:defRPr lang="ru-RU"/>
+            </a:defPPr>
+            <a:lvl1pPr algn="l" rtl="0" fontAlgn="base">
+              <a:spcBef>
+                <a:spcPct val="0"/>
+              </a:spcBef>
+              <a:spcAft>
+                <a:spcPct val="0"/>
+              </a:spcAft>
+              <a:defRPr sz="2000" kern="1200">
+                <a:solidFill>
+                  <a:schemeClr val="bg1"/>
+                </a:solidFill>
+                <a:latin typeface="Futura LT Book" pitchFamily="2" charset="0"/>
+                <a:ea typeface="굴림" charset="-127"/>
+                <a:cs typeface="+mn-cs"/>
+              </a:defRPr>
+            </a:lvl1pPr>
+            <a:lvl2pPr marL="457200" algn="l" rtl="0" fontAlgn="base">
+              <a:spcBef>
+                <a:spcPct val="0"/>
+              </a:spcBef>
+              <a:spcAft>
+                <a:spcPct val="0"/>
+              </a:spcAft>
+              <a:defRPr sz="2000" kern="1200">
+                <a:solidFill>
+                  <a:schemeClr val="bg1"/>
+                </a:solidFill>
+                <a:latin typeface="Futura LT Book" pitchFamily="2" charset="0"/>
+                <a:ea typeface="굴림" charset="-127"/>
+                <a:cs typeface="+mn-cs"/>
+              </a:defRPr>
+            </a:lvl2pPr>
+            <a:lvl3pPr marL="914400" algn="l" rtl="0" fontAlgn="base">
+              <a:spcBef>
+                <a:spcPct val="0"/>
+              </a:spcBef>
+              <a:spcAft>
+                <a:spcPct val="0"/>
+              </a:spcAft>
+              <a:defRPr sz="2000" kern="1200">
+                <a:solidFill>
+                  <a:schemeClr val="bg1"/>
+                </a:solidFill>
+                <a:latin typeface="Futura LT Book" pitchFamily="2" charset="0"/>
+                <a:ea typeface="굴림" charset="-127"/>
+                <a:cs typeface="+mn-cs"/>
+              </a:defRPr>
+            </a:lvl3pPr>
+            <a:lvl4pPr marL="1371600" algn="l" rtl="0" fontAlgn="base">
+              <a:spcBef>
+                <a:spcPct val="0"/>
+              </a:spcBef>
+              <a:spcAft>
+                <a:spcPct val="0"/>
+              </a:spcAft>
+              <a:defRPr sz="2000" kern="1200">
+                <a:solidFill>
+                  <a:schemeClr val="bg1"/>
+                </a:solidFill>
+                <a:latin typeface="Futura LT Book" pitchFamily="2" charset="0"/>
+                <a:ea typeface="굴림" charset="-127"/>
+                <a:cs typeface="+mn-cs"/>
+              </a:defRPr>
+            </a:lvl4pPr>
+            <a:lvl5pPr marL="1828800" algn="l" rtl="0" fontAlgn="base">
+              <a:spcBef>
+                <a:spcPct val="0"/>
+              </a:spcBef>
+              <a:spcAft>
+                <a:spcPct val="0"/>
+              </a:spcAft>
+              <a:defRPr sz="2000" kern="1200">
+                <a:solidFill>
+                  <a:schemeClr val="bg1"/>
+                </a:solidFill>
+                <a:latin typeface="Futura LT Book" pitchFamily="2" charset="0"/>
+                <a:ea typeface="굴림" charset="-127"/>
+                <a:cs typeface="+mn-cs"/>
+              </a:defRPr>
+            </a:lvl5pPr>
+            <a:lvl6pPr marL="2286000" algn="l" defTabSz="914400" rtl="0" eaLnBrk="1" latinLnBrk="0" hangingPunct="1">
+              <a:defRPr sz="2000" kern="1200">
+                <a:solidFill>
+                  <a:schemeClr val="bg1"/>
+                </a:solidFill>
+                <a:latin typeface="Futura LT Book" pitchFamily="2" charset="0"/>
+                <a:ea typeface="굴림" charset="-127"/>
+                <a:cs typeface="+mn-cs"/>
+              </a:defRPr>
+            </a:lvl6pPr>
+            <a:lvl7pPr marL="2743200" algn="l" defTabSz="914400" rtl="0" eaLnBrk="1" latinLnBrk="0" hangingPunct="1">
+              <a:defRPr sz="2000" kern="1200">
+                <a:solidFill>
+                  <a:schemeClr val="bg1"/>
+                </a:solidFill>
+                <a:latin typeface="Futura LT Book" pitchFamily="2" charset="0"/>
+                <a:ea typeface="굴림" charset="-127"/>
+                <a:cs typeface="+mn-cs"/>
+              </a:defRPr>
+            </a:lvl7pPr>
+            <a:lvl8pPr marL="3200400" algn="l" defTabSz="914400" rtl="0" eaLnBrk="1" latinLnBrk="0" hangingPunct="1">
+              <a:defRPr sz="2000" kern="1200">
+                <a:solidFill>
+                  <a:schemeClr val="bg1"/>
+                </a:solidFill>
+                <a:latin typeface="Futura LT Book" pitchFamily="2" charset="0"/>
+                <a:ea typeface="굴림" charset="-127"/>
+                <a:cs typeface="+mn-cs"/>
+              </a:defRPr>
+            </a:lvl8pPr>
+            <a:lvl9pPr marL="3657600" algn="l" defTabSz="914400" rtl="0" eaLnBrk="1" latinLnBrk="0" hangingPunct="1">
+              <a:defRPr sz="2000" kern="1200">
+                <a:solidFill>
+                  <a:schemeClr val="bg1"/>
+                </a:solidFill>
+                <a:latin typeface="Futura LT Book" pitchFamily="2" charset="0"/>
+                <a:ea typeface="굴림" charset="-127"/>
+                <a:cs typeface="+mn-cs"/>
+              </a:defRPr>
+            </a:lvl9pPr>
+          </a:lstStyle>
+          <a:p>
+            <a:pPr algn="r"/>
+            <a:fld id="{F3C024E0-34B0-439A-B45D-DA3346595B08}" type="slidenum">
+              <a:rPr lang="ru-RU" sz="1600" smtClean="0">
+                <a:solidFill>
+                  <a:schemeClr val="tx2">
+                    <a:lumMod val="85000"/>
+                    <a:lumOff val="15000"/>
+                  </a:schemeClr>
+                </a:solidFill>
+                <a:latin typeface="Open Sans" pitchFamily="2" charset="0"/>
+                <a:ea typeface="Open Sans" pitchFamily="2" charset="0"/>
+                <a:cs typeface="Open Sans" pitchFamily="2" charset="0"/>
+              </a:rPr>
+              <a:pPr algn="r"/>
+              <a:t>6</a:t>
+            </a:fld>
+            <a:endParaRPr lang="ru-RU" sz="1600" dirty="0">
+              <a:solidFill>
+                <a:schemeClr val="tx2">
+                  <a:lumMod val="85000"/>
+                  <a:lumOff val="15000"/>
+                </a:schemeClr>
+              </a:solidFill>
+              <a:latin typeface="Open Sans" pitchFamily="2" charset="0"/>
+              <a:ea typeface="Open Sans" pitchFamily="2" charset="0"/>
+              <a:cs typeface="Open Sans" pitchFamily="2" charset="0"/>
+            </a:endParaRPr>
+          </a:p>
+        </p:txBody>
+      </p:sp>
     </p:spTree>
     <p:extLst>
       <p:ext uri="{BB962C8B-B14F-4D97-AF65-F5344CB8AC3E}">
@@ -6939,6 +10245,536 @@
           </a:p>
         </p:txBody>
       </p:sp>
+      <p:sp>
+        <p:nvSpPr>
+          <p:cNvPr id="5" name="Espace réservé de la date 1">
+            <a:extLst>
+              <a:ext uri="{FF2B5EF4-FFF2-40B4-BE49-F238E27FC236}">
+                <a16:creationId xmlns:a16="http://schemas.microsoft.com/office/drawing/2014/main" id="{25031520-EEA1-9EA7-574C-CF68D3EB2856}"/>
+              </a:ext>
+            </a:extLst>
+          </p:cNvPr>
+          <p:cNvSpPr txBox="1">
+            <a:spLocks/>
+          </p:cNvSpPr>
+          <p:nvPr/>
+        </p:nvSpPr>
+        <p:spPr>
+          <a:xfrm>
+            <a:off x="252499" y="6515968"/>
+            <a:ext cx="1656184" cy="302021"/>
+          </a:xfrm>
+          <a:prstGeom prst="rect">
+            <a:avLst/>
+          </a:prstGeom>
+        </p:spPr>
+        <p:txBody>
+          <a:bodyPr/>
+          <a:lstStyle>
+            <a:defPPr>
+              <a:defRPr lang="ru-RU"/>
+            </a:defPPr>
+            <a:lvl1pPr algn="l" rtl="0" fontAlgn="base">
+              <a:spcBef>
+                <a:spcPct val="0"/>
+              </a:spcBef>
+              <a:spcAft>
+                <a:spcPct val="0"/>
+              </a:spcAft>
+              <a:defRPr sz="2000" kern="1200">
+                <a:solidFill>
+                  <a:schemeClr val="bg1"/>
+                </a:solidFill>
+                <a:latin typeface="Futura LT Book" pitchFamily="2" charset="0"/>
+                <a:ea typeface="굴림" charset="-127"/>
+                <a:cs typeface="+mn-cs"/>
+              </a:defRPr>
+            </a:lvl1pPr>
+            <a:lvl2pPr marL="457200" algn="l" rtl="0" fontAlgn="base">
+              <a:spcBef>
+                <a:spcPct val="0"/>
+              </a:spcBef>
+              <a:spcAft>
+                <a:spcPct val="0"/>
+              </a:spcAft>
+              <a:defRPr sz="2000" kern="1200">
+                <a:solidFill>
+                  <a:schemeClr val="bg1"/>
+                </a:solidFill>
+                <a:latin typeface="Futura LT Book" pitchFamily="2" charset="0"/>
+                <a:ea typeface="굴림" charset="-127"/>
+                <a:cs typeface="+mn-cs"/>
+              </a:defRPr>
+            </a:lvl2pPr>
+            <a:lvl3pPr marL="914400" algn="l" rtl="0" fontAlgn="base">
+              <a:spcBef>
+                <a:spcPct val="0"/>
+              </a:spcBef>
+              <a:spcAft>
+                <a:spcPct val="0"/>
+              </a:spcAft>
+              <a:defRPr sz="2000" kern="1200">
+                <a:solidFill>
+                  <a:schemeClr val="bg1"/>
+                </a:solidFill>
+                <a:latin typeface="Futura LT Book" pitchFamily="2" charset="0"/>
+                <a:ea typeface="굴림" charset="-127"/>
+                <a:cs typeface="+mn-cs"/>
+              </a:defRPr>
+            </a:lvl3pPr>
+            <a:lvl4pPr marL="1371600" algn="l" rtl="0" fontAlgn="base">
+              <a:spcBef>
+                <a:spcPct val="0"/>
+              </a:spcBef>
+              <a:spcAft>
+                <a:spcPct val="0"/>
+              </a:spcAft>
+              <a:defRPr sz="2000" kern="1200">
+                <a:solidFill>
+                  <a:schemeClr val="bg1"/>
+                </a:solidFill>
+                <a:latin typeface="Futura LT Book" pitchFamily="2" charset="0"/>
+                <a:ea typeface="굴림" charset="-127"/>
+                <a:cs typeface="+mn-cs"/>
+              </a:defRPr>
+            </a:lvl4pPr>
+            <a:lvl5pPr marL="1828800" algn="l" rtl="0" fontAlgn="base">
+              <a:spcBef>
+                <a:spcPct val="0"/>
+              </a:spcBef>
+              <a:spcAft>
+                <a:spcPct val="0"/>
+              </a:spcAft>
+              <a:defRPr sz="2000" kern="1200">
+                <a:solidFill>
+                  <a:schemeClr val="bg1"/>
+                </a:solidFill>
+                <a:latin typeface="Futura LT Book" pitchFamily="2" charset="0"/>
+                <a:ea typeface="굴림" charset="-127"/>
+                <a:cs typeface="+mn-cs"/>
+              </a:defRPr>
+            </a:lvl5pPr>
+            <a:lvl6pPr marL="2286000" algn="l" defTabSz="914400" rtl="0" eaLnBrk="1" latinLnBrk="0" hangingPunct="1">
+              <a:defRPr sz="2000" kern="1200">
+                <a:solidFill>
+                  <a:schemeClr val="bg1"/>
+                </a:solidFill>
+                <a:latin typeface="Futura LT Book" pitchFamily="2" charset="0"/>
+                <a:ea typeface="굴림" charset="-127"/>
+                <a:cs typeface="+mn-cs"/>
+              </a:defRPr>
+            </a:lvl6pPr>
+            <a:lvl7pPr marL="2743200" algn="l" defTabSz="914400" rtl="0" eaLnBrk="1" latinLnBrk="0" hangingPunct="1">
+              <a:defRPr sz="2000" kern="1200">
+                <a:solidFill>
+                  <a:schemeClr val="bg1"/>
+                </a:solidFill>
+                <a:latin typeface="Futura LT Book" pitchFamily="2" charset="0"/>
+                <a:ea typeface="굴림" charset="-127"/>
+                <a:cs typeface="+mn-cs"/>
+              </a:defRPr>
+            </a:lvl7pPr>
+            <a:lvl8pPr marL="3200400" algn="l" defTabSz="914400" rtl="0" eaLnBrk="1" latinLnBrk="0" hangingPunct="1">
+              <a:defRPr sz="2000" kern="1200">
+                <a:solidFill>
+                  <a:schemeClr val="bg1"/>
+                </a:solidFill>
+                <a:latin typeface="Futura LT Book" pitchFamily="2" charset="0"/>
+                <a:ea typeface="굴림" charset="-127"/>
+                <a:cs typeface="+mn-cs"/>
+              </a:defRPr>
+            </a:lvl8pPr>
+            <a:lvl9pPr marL="3657600" algn="l" defTabSz="914400" rtl="0" eaLnBrk="1" latinLnBrk="0" hangingPunct="1">
+              <a:defRPr sz="2000" kern="1200">
+                <a:solidFill>
+                  <a:schemeClr val="bg1"/>
+                </a:solidFill>
+                <a:latin typeface="Futura LT Book" pitchFamily="2" charset="0"/>
+                <a:ea typeface="굴림" charset="-127"/>
+                <a:cs typeface="+mn-cs"/>
+              </a:defRPr>
+            </a:lvl9pPr>
+          </a:lstStyle>
+          <a:p>
+            <a:fld id="{DE689F20-F847-4534-8E47-71A18D083FC1}" type="datetime1">
+              <a:rPr lang="fr-FR" sz="1600" smtClean="0">
+                <a:solidFill>
+                  <a:schemeClr val="tx2">
+                    <a:lumMod val="85000"/>
+                    <a:lumOff val="15000"/>
+                  </a:schemeClr>
+                </a:solidFill>
+                <a:latin typeface="Open Sans" pitchFamily="2" charset="0"/>
+                <a:ea typeface="Open Sans" pitchFamily="2" charset="0"/>
+                <a:cs typeface="Open Sans" pitchFamily="2" charset="0"/>
+              </a:rPr>
+              <a:pPr/>
+              <a:t>23/01/2023</a:t>
+            </a:fld>
+            <a:endParaRPr lang="ru-RU" sz="1600" dirty="0">
+              <a:solidFill>
+                <a:schemeClr val="tx2">
+                  <a:lumMod val="85000"/>
+                  <a:lumOff val="15000"/>
+                </a:schemeClr>
+              </a:solidFill>
+              <a:latin typeface="Open Sans" pitchFamily="2" charset="0"/>
+              <a:ea typeface="Open Sans" pitchFamily="2" charset="0"/>
+              <a:cs typeface="Open Sans" pitchFamily="2" charset="0"/>
+            </a:endParaRPr>
+          </a:p>
+        </p:txBody>
+      </p:sp>
+      <p:sp>
+        <p:nvSpPr>
+          <p:cNvPr id="6" name="Espace réservé du pied de page 2">
+            <a:extLst>
+              <a:ext uri="{FF2B5EF4-FFF2-40B4-BE49-F238E27FC236}">
+                <a16:creationId xmlns:a16="http://schemas.microsoft.com/office/drawing/2014/main" id="{FC8B4822-31C7-076B-F50D-862605A42326}"/>
+              </a:ext>
+            </a:extLst>
+          </p:cNvPr>
+          <p:cNvSpPr txBox="1">
+            <a:spLocks/>
+          </p:cNvSpPr>
+          <p:nvPr/>
+        </p:nvSpPr>
+        <p:spPr>
+          <a:xfrm>
+            <a:off x="2722033" y="6525344"/>
+            <a:ext cx="3699933" cy="302021"/>
+          </a:xfrm>
+          <a:prstGeom prst="rect">
+            <a:avLst/>
+          </a:prstGeom>
+        </p:spPr>
+        <p:txBody>
+          <a:bodyPr/>
+          <a:lstStyle>
+            <a:defPPr>
+              <a:defRPr lang="ru-RU"/>
+            </a:defPPr>
+            <a:lvl1pPr algn="l" rtl="0" fontAlgn="base">
+              <a:spcBef>
+                <a:spcPct val="0"/>
+              </a:spcBef>
+              <a:spcAft>
+                <a:spcPct val="0"/>
+              </a:spcAft>
+              <a:defRPr sz="2000" kern="1200">
+                <a:solidFill>
+                  <a:schemeClr val="bg1"/>
+                </a:solidFill>
+                <a:latin typeface="Futura LT Book" pitchFamily="2" charset="0"/>
+                <a:ea typeface="굴림" charset="-127"/>
+                <a:cs typeface="+mn-cs"/>
+              </a:defRPr>
+            </a:lvl1pPr>
+            <a:lvl2pPr marL="457200" algn="l" rtl="0" fontAlgn="base">
+              <a:spcBef>
+                <a:spcPct val="0"/>
+              </a:spcBef>
+              <a:spcAft>
+                <a:spcPct val="0"/>
+              </a:spcAft>
+              <a:defRPr sz="2000" kern="1200">
+                <a:solidFill>
+                  <a:schemeClr val="bg1"/>
+                </a:solidFill>
+                <a:latin typeface="Futura LT Book" pitchFamily="2" charset="0"/>
+                <a:ea typeface="굴림" charset="-127"/>
+                <a:cs typeface="+mn-cs"/>
+              </a:defRPr>
+            </a:lvl2pPr>
+            <a:lvl3pPr marL="914400" algn="l" rtl="0" fontAlgn="base">
+              <a:spcBef>
+                <a:spcPct val="0"/>
+              </a:spcBef>
+              <a:spcAft>
+                <a:spcPct val="0"/>
+              </a:spcAft>
+              <a:defRPr sz="2000" kern="1200">
+                <a:solidFill>
+                  <a:schemeClr val="bg1"/>
+                </a:solidFill>
+                <a:latin typeface="Futura LT Book" pitchFamily="2" charset="0"/>
+                <a:ea typeface="굴림" charset="-127"/>
+                <a:cs typeface="+mn-cs"/>
+              </a:defRPr>
+            </a:lvl3pPr>
+            <a:lvl4pPr marL="1371600" algn="l" rtl="0" fontAlgn="base">
+              <a:spcBef>
+                <a:spcPct val="0"/>
+              </a:spcBef>
+              <a:spcAft>
+                <a:spcPct val="0"/>
+              </a:spcAft>
+              <a:defRPr sz="2000" kern="1200">
+                <a:solidFill>
+                  <a:schemeClr val="bg1"/>
+                </a:solidFill>
+                <a:latin typeface="Futura LT Book" pitchFamily="2" charset="0"/>
+                <a:ea typeface="굴림" charset="-127"/>
+                <a:cs typeface="+mn-cs"/>
+              </a:defRPr>
+            </a:lvl4pPr>
+            <a:lvl5pPr marL="1828800" algn="l" rtl="0" fontAlgn="base">
+              <a:spcBef>
+                <a:spcPct val="0"/>
+              </a:spcBef>
+              <a:spcAft>
+                <a:spcPct val="0"/>
+              </a:spcAft>
+              <a:defRPr sz="2000" kern="1200">
+                <a:solidFill>
+                  <a:schemeClr val="bg1"/>
+                </a:solidFill>
+                <a:latin typeface="Futura LT Book" pitchFamily="2" charset="0"/>
+                <a:ea typeface="굴림" charset="-127"/>
+                <a:cs typeface="+mn-cs"/>
+              </a:defRPr>
+            </a:lvl5pPr>
+            <a:lvl6pPr marL="2286000" algn="l" defTabSz="914400" rtl="0" eaLnBrk="1" latinLnBrk="0" hangingPunct="1">
+              <a:defRPr sz="2000" kern="1200">
+                <a:solidFill>
+                  <a:schemeClr val="bg1"/>
+                </a:solidFill>
+                <a:latin typeface="Futura LT Book" pitchFamily="2" charset="0"/>
+                <a:ea typeface="굴림" charset="-127"/>
+                <a:cs typeface="+mn-cs"/>
+              </a:defRPr>
+            </a:lvl6pPr>
+            <a:lvl7pPr marL="2743200" algn="l" defTabSz="914400" rtl="0" eaLnBrk="1" latinLnBrk="0" hangingPunct="1">
+              <a:defRPr sz="2000" kern="1200">
+                <a:solidFill>
+                  <a:schemeClr val="bg1"/>
+                </a:solidFill>
+                <a:latin typeface="Futura LT Book" pitchFamily="2" charset="0"/>
+                <a:ea typeface="굴림" charset="-127"/>
+                <a:cs typeface="+mn-cs"/>
+              </a:defRPr>
+            </a:lvl7pPr>
+            <a:lvl8pPr marL="3200400" algn="l" defTabSz="914400" rtl="0" eaLnBrk="1" latinLnBrk="0" hangingPunct="1">
+              <a:defRPr sz="2000" kern="1200">
+                <a:solidFill>
+                  <a:schemeClr val="bg1"/>
+                </a:solidFill>
+                <a:latin typeface="Futura LT Book" pitchFamily="2" charset="0"/>
+                <a:ea typeface="굴림" charset="-127"/>
+                <a:cs typeface="+mn-cs"/>
+              </a:defRPr>
+            </a:lvl8pPr>
+            <a:lvl9pPr marL="3657600" algn="l" defTabSz="914400" rtl="0" eaLnBrk="1" latinLnBrk="0" hangingPunct="1">
+              <a:defRPr sz="2000" kern="1200">
+                <a:solidFill>
+                  <a:schemeClr val="bg1"/>
+                </a:solidFill>
+                <a:latin typeface="Futura LT Book" pitchFamily="2" charset="0"/>
+                <a:ea typeface="굴림" charset="-127"/>
+                <a:cs typeface="+mn-cs"/>
+              </a:defRPr>
+            </a:lvl9pPr>
+          </a:lstStyle>
+          <a:p>
+            <a:pPr algn="ctr"/>
+            <a:r>
+              <a:rPr lang="fr-FR" sz="1600" dirty="0">
+                <a:solidFill>
+                  <a:schemeClr val="tx2">
+                    <a:lumMod val="85000"/>
+                    <a:lumOff val="15000"/>
+                  </a:schemeClr>
+                </a:solidFill>
+                <a:latin typeface="Open Sans" pitchFamily="2" charset="0"/>
+                <a:ea typeface="Open Sans" pitchFamily="2" charset="0"/>
+                <a:cs typeface="Open Sans" pitchFamily="2" charset="0"/>
+              </a:rPr>
+              <a:t>Projet BDR</a:t>
+            </a:r>
+          </a:p>
+        </p:txBody>
+      </p:sp>
+      <p:sp>
+        <p:nvSpPr>
+          <p:cNvPr id="7" name="Espace réservé du numéro de diapositive 3">
+            <a:extLst>
+              <a:ext uri="{FF2B5EF4-FFF2-40B4-BE49-F238E27FC236}">
+                <a16:creationId xmlns:a16="http://schemas.microsoft.com/office/drawing/2014/main" id="{072480B5-A225-05B2-A179-33589B900276}"/>
+              </a:ext>
+            </a:extLst>
+          </p:cNvPr>
+          <p:cNvSpPr txBox="1">
+            <a:spLocks/>
+          </p:cNvSpPr>
+          <p:nvPr/>
+        </p:nvSpPr>
+        <p:spPr>
+          <a:xfrm>
+            <a:off x="8422072" y="6525344"/>
+            <a:ext cx="504056" cy="302022"/>
+          </a:xfrm>
+          <a:prstGeom prst="rect">
+            <a:avLst/>
+          </a:prstGeom>
+        </p:spPr>
+        <p:txBody>
+          <a:bodyPr/>
+          <a:lstStyle>
+            <a:defPPr>
+              <a:defRPr lang="ru-RU"/>
+            </a:defPPr>
+            <a:lvl1pPr algn="l" rtl="0" fontAlgn="base">
+              <a:spcBef>
+                <a:spcPct val="0"/>
+              </a:spcBef>
+              <a:spcAft>
+                <a:spcPct val="0"/>
+              </a:spcAft>
+              <a:defRPr sz="2000" kern="1200">
+                <a:solidFill>
+                  <a:schemeClr val="bg1"/>
+                </a:solidFill>
+                <a:latin typeface="Futura LT Book" pitchFamily="2" charset="0"/>
+                <a:ea typeface="굴림" charset="-127"/>
+                <a:cs typeface="+mn-cs"/>
+              </a:defRPr>
+            </a:lvl1pPr>
+            <a:lvl2pPr marL="457200" algn="l" rtl="0" fontAlgn="base">
+              <a:spcBef>
+                <a:spcPct val="0"/>
+              </a:spcBef>
+              <a:spcAft>
+                <a:spcPct val="0"/>
+              </a:spcAft>
+              <a:defRPr sz="2000" kern="1200">
+                <a:solidFill>
+                  <a:schemeClr val="bg1"/>
+                </a:solidFill>
+                <a:latin typeface="Futura LT Book" pitchFamily="2" charset="0"/>
+                <a:ea typeface="굴림" charset="-127"/>
+                <a:cs typeface="+mn-cs"/>
+              </a:defRPr>
+            </a:lvl2pPr>
+            <a:lvl3pPr marL="914400" algn="l" rtl="0" fontAlgn="base">
+              <a:spcBef>
+                <a:spcPct val="0"/>
+              </a:spcBef>
+              <a:spcAft>
+                <a:spcPct val="0"/>
+              </a:spcAft>
+              <a:defRPr sz="2000" kern="1200">
+                <a:solidFill>
+                  <a:schemeClr val="bg1"/>
+                </a:solidFill>
+                <a:latin typeface="Futura LT Book" pitchFamily="2" charset="0"/>
+                <a:ea typeface="굴림" charset="-127"/>
+                <a:cs typeface="+mn-cs"/>
+              </a:defRPr>
+            </a:lvl3pPr>
+            <a:lvl4pPr marL="1371600" algn="l" rtl="0" fontAlgn="base">
+              <a:spcBef>
+                <a:spcPct val="0"/>
+              </a:spcBef>
+              <a:spcAft>
+                <a:spcPct val="0"/>
+              </a:spcAft>
+              <a:defRPr sz="2000" kern="1200">
+                <a:solidFill>
+                  <a:schemeClr val="bg1"/>
+                </a:solidFill>
+                <a:latin typeface="Futura LT Book" pitchFamily="2" charset="0"/>
+                <a:ea typeface="굴림" charset="-127"/>
+                <a:cs typeface="+mn-cs"/>
+              </a:defRPr>
+            </a:lvl4pPr>
+            <a:lvl5pPr marL="1828800" algn="l" rtl="0" fontAlgn="base">
+              <a:spcBef>
+                <a:spcPct val="0"/>
+              </a:spcBef>
+              <a:spcAft>
+                <a:spcPct val="0"/>
+              </a:spcAft>
+              <a:defRPr sz="2000" kern="1200">
+                <a:solidFill>
+                  <a:schemeClr val="bg1"/>
+                </a:solidFill>
+                <a:latin typeface="Futura LT Book" pitchFamily="2" charset="0"/>
+                <a:ea typeface="굴림" charset="-127"/>
+                <a:cs typeface="+mn-cs"/>
+              </a:defRPr>
+            </a:lvl5pPr>
+            <a:lvl6pPr marL="2286000" algn="l" defTabSz="914400" rtl="0" eaLnBrk="1" latinLnBrk="0" hangingPunct="1">
+              <a:defRPr sz="2000" kern="1200">
+                <a:solidFill>
+                  <a:schemeClr val="bg1"/>
+                </a:solidFill>
+                <a:latin typeface="Futura LT Book" pitchFamily="2" charset="0"/>
+                <a:ea typeface="굴림" charset="-127"/>
+                <a:cs typeface="+mn-cs"/>
+              </a:defRPr>
+            </a:lvl6pPr>
+            <a:lvl7pPr marL="2743200" algn="l" defTabSz="914400" rtl="0" eaLnBrk="1" latinLnBrk="0" hangingPunct="1">
+              <a:defRPr sz="2000" kern="1200">
+                <a:solidFill>
+                  <a:schemeClr val="bg1"/>
+                </a:solidFill>
+                <a:latin typeface="Futura LT Book" pitchFamily="2" charset="0"/>
+                <a:ea typeface="굴림" charset="-127"/>
+                <a:cs typeface="+mn-cs"/>
+              </a:defRPr>
+            </a:lvl7pPr>
+            <a:lvl8pPr marL="3200400" algn="l" defTabSz="914400" rtl="0" eaLnBrk="1" latinLnBrk="0" hangingPunct="1">
+              <a:defRPr sz="2000" kern="1200">
+                <a:solidFill>
+                  <a:schemeClr val="bg1"/>
+                </a:solidFill>
+                <a:latin typeface="Futura LT Book" pitchFamily="2" charset="0"/>
+                <a:ea typeface="굴림" charset="-127"/>
+                <a:cs typeface="+mn-cs"/>
+              </a:defRPr>
+            </a:lvl8pPr>
+            <a:lvl9pPr marL="3657600" algn="l" defTabSz="914400" rtl="0" eaLnBrk="1" latinLnBrk="0" hangingPunct="1">
+              <a:defRPr sz="2000" kern="1200">
+                <a:solidFill>
+                  <a:schemeClr val="bg1"/>
+                </a:solidFill>
+                <a:latin typeface="Futura LT Book" pitchFamily="2" charset="0"/>
+                <a:ea typeface="굴림" charset="-127"/>
+                <a:cs typeface="+mn-cs"/>
+              </a:defRPr>
+            </a:lvl9pPr>
+          </a:lstStyle>
+          <a:p>
+            <a:pPr algn="r"/>
+            <a:fld id="{F3C024E0-34B0-439A-B45D-DA3346595B08}" type="slidenum">
+              <a:rPr lang="ru-RU" sz="1600" smtClean="0">
+                <a:solidFill>
+                  <a:schemeClr val="tx2">
+                    <a:lumMod val="85000"/>
+                    <a:lumOff val="15000"/>
+                  </a:schemeClr>
+                </a:solidFill>
+                <a:latin typeface="Open Sans" pitchFamily="2" charset="0"/>
+                <a:ea typeface="Open Sans" pitchFamily="2" charset="0"/>
+                <a:cs typeface="Open Sans" pitchFamily="2" charset="0"/>
+              </a:rPr>
+              <a:pPr algn="r"/>
+              <a:t>7</a:t>
+            </a:fld>
+            <a:endParaRPr lang="ru-RU" sz="1600" dirty="0">
+              <a:solidFill>
+                <a:schemeClr val="tx2">
+                  <a:lumMod val="85000"/>
+                  <a:lumOff val="15000"/>
+                </a:schemeClr>
+              </a:solidFill>
+              <a:latin typeface="Open Sans" pitchFamily="2" charset="0"/>
+              <a:ea typeface="Open Sans" pitchFamily="2" charset="0"/>
+              <a:cs typeface="Open Sans" pitchFamily="2" charset="0"/>
+            </a:endParaRPr>
+          </a:p>
+        </p:txBody>
+      </p:sp>
     </p:spTree>
     <p:extLst>
       <p:ext uri="{BB962C8B-B14F-4D97-AF65-F5344CB8AC3E}">
@@ -7025,6 +10861,536 @@
               <a:t>bla</a:t>
             </a:r>
             <a:endParaRPr lang="fr-FR" dirty="0">
+              <a:latin typeface="Open Sans" pitchFamily="2" charset="0"/>
+              <a:ea typeface="Open Sans" pitchFamily="2" charset="0"/>
+              <a:cs typeface="Open Sans" pitchFamily="2" charset="0"/>
+            </a:endParaRPr>
+          </a:p>
+        </p:txBody>
+      </p:sp>
+      <p:sp>
+        <p:nvSpPr>
+          <p:cNvPr id="5" name="Espace réservé de la date 1">
+            <a:extLst>
+              <a:ext uri="{FF2B5EF4-FFF2-40B4-BE49-F238E27FC236}">
+                <a16:creationId xmlns:a16="http://schemas.microsoft.com/office/drawing/2014/main" id="{78F28ECF-FC92-F524-0831-5A641732DFA9}"/>
+              </a:ext>
+            </a:extLst>
+          </p:cNvPr>
+          <p:cNvSpPr txBox="1">
+            <a:spLocks/>
+          </p:cNvSpPr>
+          <p:nvPr/>
+        </p:nvSpPr>
+        <p:spPr>
+          <a:xfrm>
+            <a:off x="252499" y="6515968"/>
+            <a:ext cx="1656184" cy="302021"/>
+          </a:xfrm>
+          <a:prstGeom prst="rect">
+            <a:avLst/>
+          </a:prstGeom>
+        </p:spPr>
+        <p:txBody>
+          <a:bodyPr/>
+          <a:lstStyle>
+            <a:defPPr>
+              <a:defRPr lang="ru-RU"/>
+            </a:defPPr>
+            <a:lvl1pPr algn="l" rtl="0" fontAlgn="base">
+              <a:spcBef>
+                <a:spcPct val="0"/>
+              </a:spcBef>
+              <a:spcAft>
+                <a:spcPct val="0"/>
+              </a:spcAft>
+              <a:defRPr sz="2000" kern="1200">
+                <a:solidFill>
+                  <a:schemeClr val="bg1"/>
+                </a:solidFill>
+                <a:latin typeface="Futura LT Book" pitchFamily="2" charset="0"/>
+                <a:ea typeface="굴림" charset="-127"/>
+                <a:cs typeface="+mn-cs"/>
+              </a:defRPr>
+            </a:lvl1pPr>
+            <a:lvl2pPr marL="457200" algn="l" rtl="0" fontAlgn="base">
+              <a:spcBef>
+                <a:spcPct val="0"/>
+              </a:spcBef>
+              <a:spcAft>
+                <a:spcPct val="0"/>
+              </a:spcAft>
+              <a:defRPr sz="2000" kern="1200">
+                <a:solidFill>
+                  <a:schemeClr val="bg1"/>
+                </a:solidFill>
+                <a:latin typeface="Futura LT Book" pitchFamily="2" charset="0"/>
+                <a:ea typeface="굴림" charset="-127"/>
+                <a:cs typeface="+mn-cs"/>
+              </a:defRPr>
+            </a:lvl2pPr>
+            <a:lvl3pPr marL="914400" algn="l" rtl="0" fontAlgn="base">
+              <a:spcBef>
+                <a:spcPct val="0"/>
+              </a:spcBef>
+              <a:spcAft>
+                <a:spcPct val="0"/>
+              </a:spcAft>
+              <a:defRPr sz="2000" kern="1200">
+                <a:solidFill>
+                  <a:schemeClr val="bg1"/>
+                </a:solidFill>
+                <a:latin typeface="Futura LT Book" pitchFamily="2" charset="0"/>
+                <a:ea typeface="굴림" charset="-127"/>
+                <a:cs typeface="+mn-cs"/>
+              </a:defRPr>
+            </a:lvl3pPr>
+            <a:lvl4pPr marL="1371600" algn="l" rtl="0" fontAlgn="base">
+              <a:spcBef>
+                <a:spcPct val="0"/>
+              </a:spcBef>
+              <a:spcAft>
+                <a:spcPct val="0"/>
+              </a:spcAft>
+              <a:defRPr sz="2000" kern="1200">
+                <a:solidFill>
+                  <a:schemeClr val="bg1"/>
+                </a:solidFill>
+                <a:latin typeface="Futura LT Book" pitchFamily="2" charset="0"/>
+                <a:ea typeface="굴림" charset="-127"/>
+                <a:cs typeface="+mn-cs"/>
+              </a:defRPr>
+            </a:lvl4pPr>
+            <a:lvl5pPr marL="1828800" algn="l" rtl="0" fontAlgn="base">
+              <a:spcBef>
+                <a:spcPct val="0"/>
+              </a:spcBef>
+              <a:spcAft>
+                <a:spcPct val="0"/>
+              </a:spcAft>
+              <a:defRPr sz="2000" kern="1200">
+                <a:solidFill>
+                  <a:schemeClr val="bg1"/>
+                </a:solidFill>
+                <a:latin typeface="Futura LT Book" pitchFamily="2" charset="0"/>
+                <a:ea typeface="굴림" charset="-127"/>
+                <a:cs typeface="+mn-cs"/>
+              </a:defRPr>
+            </a:lvl5pPr>
+            <a:lvl6pPr marL="2286000" algn="l" defTabSz="914400" rtl="0" eaLnBrk="1" latinLnBrk="0" hangingPunct="1">
+              <a:defRPr sz="2000" kern="1200">
+                <a:solidFill>
+                  <a:schemeClr val="bg1"/>
+                </a:solidFill>
+                <a:latin typeface="Futura LT Book" pitchFamily="2" charset="0"/>
+                <a:ea typeface="굴림" charset="-127"/>
+                <a:cs typeface="+mn-cs"/>
+              </a:defRPr>
+            </a:lvl6pPr>
+            <a:lvl7pPr marL="2743200" algn="l" defTabSz="914400" rtl="0" eaLnBrk="1" latinLnBrk="0" hangingPunct="1">
+              <a:defRPr sz="2000" kern="1200">
+                <a:solidFill>
+                  <a:schemeClr val="bg1"/>
+                </a:solidFill>
+                <a:latin typeface="Futura LT Book" pitchFamily="2" charset="0"/>
+                <a:ea typeface="굴림" charset="-127"/>
+                <a:cs typeface="+mn-cs"/>
+              </a:defRPr>
+            </a:lvl7pPr>
+            <a:lvl8pPr marL="3200400" algn="l" defTabSz="914400" rtl="0" eaLnBrk="1" latinLnBrk="0" hangingPunct="1">
+              <a:defRPr sz="2000" kern="1200">
+                <a:solidFill>
+                  <a:schemeClr val="bg1"/>
+                </a:solidFill>
+                <a:latin typeface="Futura LT Book" pitchFamily="2" charset="0"/>
+                <a:ea typeface="굴림" charset="-127"/>
+                <a:cs typeface="+mn-cs"/>
+              </a:defRPr>
+            </a:lvl8pPr>
+            <a:lvl9pPr marL="3657600" algn="l" defTabSz="914400" rtl="0" eaLnBrk="1" latinLnBrk="0" hangingPunct="1">
+              <a:defRPr sz="2000" kern="1200">
+                <a:solidFill>
+                  <a:schemeClr val="bg1"/>
+                </a:solidFill>
+                <a:latin typeface="Futura LT Book" pitchFamily="2" charset="0"/>
+                <a:ea typeface="굴림" charset="-127"/>
+                <a:cs typeface="+mn-cs"/>
+              </a:defRPr>
+            </a:lvl9pPr>
+          </a:lstStyle>
+          <a:p>
+            <a:fld id="{DE689F20-F847-4534-8E47-71A18D083FC1}" type="datetime1">
+              <a:rPr lang="fr-FR" sz="1600" smtClean="0">
+                <a:solidFill>
+                  <a:schemeClr val="tx2">
+                    <a:lumMod val="85000"/>
+                    <a:lumOff val="15000"/>
+                  </a:schemeClr>
+                </a:solidFill>
+                <a:latin typeface="Open Sans" pitchFamily="2" charset="0"/>
+                <a:ea typeface="Open Sans" pitchFamily="2" charset="0"/>
+                <a:cs typeface="Open Sans" pitchFamily="2" charset="0"/>
+              </a:rPr>
+              <a:pPr/>
+              <a:t>23/01/2023</a:t>
+            </a:fld>
+            <a:endParaRPr lang="ru-RU" sz="1600" dirty="0">
+              <a:solidFill>
+                <a:schemeClr val="tx2">
+                  <a:lumMod val="85000"/>
+                  <a:lumOff val="15000"/>
+                </a:schemeClr>
+              </a:solidFill>
+              <a:latin typeface="Open Sans" pitchFamily="2" charset="0"/>
+              <a:ea typeface="Open Sans" pitchFamily="2" charset="0"/>
+              <a:cs typeface="Open Sans" pitchFamily="2" charset="0"/>
+            </a:endParaRPr>
+          </a:p>
+        </p:txBody>
+      </p:sp>
+      <p:sp>
+        <p:nvSpPr>
+          <p:cNvPr id="6" name="Espace réservé du pied de page 2">
+            <a:extLst>
+              <a:ext uri="{FF2B5EF4-FFF2-40B4-BE49-F238E27FC236}">
+                <a16:creationId xmlns:a16="http://schemas.microsoft.com/office/drawing/2014/main" id="{A45384F8-9BAC-6FBD-C752-F28783CC5BBD}"/>
+              </a:ext>
+            </a:extLst>
+          </p:cNvPr>
+          <p:cNvSpPr txBox="1">
+            <a:spLocks/>
+          </p:cNvSpPr>
+          <p:nvPr/>
+        </p:nvSpPr>
+        <p:spPr>
+          <a:xfrm>
+            <a:off x="2722033" y="6525344"/>
+            <a:ext cx="3699933" cy="302021"/>
+          </a:xfrm>
+          <a:prstGeom prst="rect">
+            <a:avLst/>
+          </a:prstGeom>
+        </p:spPr>
+        <p:txBody>
+          <a:bodyPr/>
+          <a:lstStyle>
+            <a:defPPr>
+              <a:defRPr lang="ru-RU"/>
+            </a:defPPr>
+            <a:lvl1pPr algn="l" rtl="0" fontAlgn="base">
+              <a:spcBef>
+                <a:spcPct val="0"/>
+              </a:spcBef>
+              <a:spcAft>
+                <a:spcPct val="0"/>
+              </a:spcAft>
+              <a:defRPr sz="2000" kern="1200">
+                <a:solidFill>
+                  <a:schemeClr val="bg1"/>
+                </a:solidFill>
+                <a:latin typeface="Futura LT Book" pitchFamily="2" charset="0"/>
+                <a:ea typeface="굴림" charset="-127"/>
+                <a:cs typeface="+mn-cs"/>
+              </a:defRPr>
+            </a:lvl1pPr>
+            <a:lvl2pPr marL="457200" algn="l" rtl="0" fontAlgn="base">
+              <a:spcBef>
+                <a:spcPct val="0"/>
+              </a:spcBef>
+              <a:spcAft>
+                <a:spcPct val="0"/>
+              </a:spcAft>
+              <a:defRPr sz="2000" kern="1200">
+                <a:solidFill>
+                  <a:schemeClr val="bg1"/>
+                </a:solidFill>
+                <a:latin typeface="Futura LT Book" pitchFamily="2" charset="0"/>
+                <a:ea typeface="굴림" charset="-127"/>
+                <a:cs typeface="+mn-cs"/>
+              </a:defRPr>
+            </a:lvl2pPr>
+            <a:lvl3pPr marL="914400" algn="l" rtl="0" fontAlgn="base">
+              <a:spcBef>
+                <a:spcPct val="0"/>
+              </a:spcBef>
+              <a:spcAft>
+                <a:spcPct val="0"/>
+              </a:spcAft>
+              <a:defRPr sz="2000" kern="1200">
+                <a:solidFill>
+                  <a:schemeClr val="bg1"/>
+                </a:solidFill>
+                <a:latin typeface="Futura LT Book" pitchFamily="2" charset="0"/>
+                <a:ea typeface="굴림" charset="-127"/>
+                <a:cs typeface="+mn-cs"/>
+              </a:defRPr>
+            </a:lvl3pPr>
+            <a:lvl4pPr marL="1371600" algn="l" rtl="0" fontAlgn="base">
+              <a:spcBef>
+                <a:spcPct val="0"/>
+              </a:spcBef>
+              <a:spcAft>
+                <a:spcPct val="0"/>
+              </a:spcAft>
+              <a:defRPr sz="2000" kern="1200">
+                <a:solidFill>
+                  <a:schemeClr val="bg1"/>
+                </a:solidFill>
+                <a:latin typeface="Futura LT Book" pitchFamily="2" charset="0"/>
+                <a:ea typeface="굴림" charset="-127"/>
+                <a:cs typeface="+mn-cs"/>
+              </a:defRPr>
+            </a:lvl4pPr>
+            <a:lvl5pPr marL="1828800" algn="l" rtl="0" fontAlgn="base">
+              <a:spcBef>
+                <a:spcPct val="0"/>
+              </a:spcBef>
+              <a:spcAft>
+                <a:spcPct val="0"/>
+              </a:spcAft>
+              <a:defRPr sz="2000" kern="1200">
+                <a:solidFill>
+                  <a:schemeClr val="bg1"/>
+                </a:solidFill>
+                <a:latin typeface="Futura LT Book" pitchFamily="2" charset="0"/>
+                <a:ea typeface="굴림" charset="-127"/>
+                <a:cs typeface="+mn-cs"/>
+              </a:defRPr>
+            </a:lvl5pPr>
+            <a:lvl6pPr marL="2286000" algn="l" defTabSz="914400" rtl="0" eaLnBrk="1" latinLnBrk="0" hangingPunct="1">
+              <a:defRPr sz="2000" kern="1200">
+                <a:solidFill>
+                  <a:schemeClr val="bg1"/>
+                </a:solidFill>
+                <a:latin typeface="Futura LT Book" pitchFamily="2" charset="0"/>
+                <a:ea typeface="굴림" charset="-127"/>
+                <a:cs typeface="+mn-cs"/>
+              </a:defRPr>
+            </a:lvl6pPr>
+            <a:lvl7pPr marL="2743200" algn="l" defTabSz="914400" rtl="0" eaLnBrk="1" latinLnBrk="0" hangingPunct="1">
+              <a:defRPr sz="2000" kern="1200">
+                <a:solidFill>
+                  <a:schemeClr val="bg1"/>
+                </a:solidFill>
+                <a:latin typeface="Futura LT Book" pitchFamily="2" charset="0"/>
+                <a:ea typeface="굴림" charset="-127"/>
+                <a:cs typeface="+mn-cs"/>
+              </a:defRPr>
+            </a:lvl7pPr>
+            <a:lvl8pPr marL="3200400" algn="l" defTabSz="914400" rtl="0" eaLnBrk="1" latinLnBrk="0" hangingPunct="1">
+              <a:defRPr sz="2000" kern="1200">
+                <a:solidFill>
+                  <a:schemeClr val="bg1"/>
+                </a:solidFill>
+                <a:latin typeface="Futura LT Book" pitchFamily="2" charset="0"/>
+                <a:ea typeface="굴림" charset="-127"/>
+                <a:cs typeface="+mn-cs"/>
+              </a:defRPr>
+            </a:lvl8pPr>
+            <a:lvl9pPr marL="3657600" algn="l" defTabSz="914400" rtl="0" eaLnBrk="1" latinLnBrk="0" hangingPunct="1">
+              <a:defRPr sz="2000" kern="1200">
+                <a:solidFill>
+                  <a:schemeClr val="bg1"/>
+                </a:solidFill>
+                <a:latin typeface="Futura LT Book" pitchFamily="2" charset="0"/>
+                <a:ea typeface="굴림" charset="-127"/>
+                <a:cs typeface="+mn-cs"/>
+              </a:defRPr>
+            </a:lvl9pPr>
+          </a:lstStyle>
+          <a:p>
+            <a:pPr algn="ctr"/>
+            <a:r>
+              <a:rPr lang="fr-FR" sz="1600" dirty="0">
+                <a:solidFill>
+                  <a:schemeClr val="tx2">
+                    <a:lumMod val="85000"/>
+                    <a:lumOff val="15000"/>
+                  </a:schemeClr>
+                </a:solidFill>
+                <a:latin typeface="Open Sans" pitchFamily="2" charset="0"/>
+                <a:ea typeface="Open Sans" pitchFamily="2" charset="0"/>
+                <a:cs typeface="Open Sans" pitchFamily="2" charset="0"/>
+              </a:rPr>
+              <a:t>Projet BDR</a:t>
+            </a:r>
+          </a:p>
+        </p:txBody>
+      </p:sp>
+      <p:sp>
+        <p:nvSpPr>
+          <p:cNvPr id="7" name="Espace réservé du numéro de diapositive 3">
+            <a:extLst>
+              <a:ext uri="{FF2B5EF4-FFF2-40B4-BE49-F238E27FC236}">
+                <a16:creationId xmlns:a16="http://schemas.microsoft.com/office/drawing/2014/main" id="{48BE147F-5EF2-F5AD-6568-7982036D8E93}"/>
+              </a:ext>
+            </a:extLst>
+          </p:cNvPr>
+          <p:cNvSpPr txBox="1">
+            <a:spLocks/>
+          </p:cNvSpPr>
+          <p:nvPr/>
+        </p:nvSpPr>
+        <p:spPr>
+          <a:xfrm>
+            <a:off x="8422072" y="6525344"/>
+            <a:ext cx="504056" cy="302022"/>
+          </a:xfrm>
+          <a:prstGeom prst="rect">
+            <a:avLst/>
+          </a:prstGeom>
+        </p:spPr>
+        <p:txBody>
+          <a:bodyPr/>
+          <a:lstStyle>
+            <a:defPPr>
+              <a:defRPr lang="ru-RU"/>
+            </a:defPPr>
+            <a:lvl1pPr algn="l" rtl="0" fontAlgn="base">
+              <a:spcBef>
+                <a:spcPct val="0"/>
+              </a:spcBef>
+              <a:spcAft>
+                <a:spcPct val="0"/>
+              </a:spcAft>
+              <a:defRPr sz="2000" kern="1200">
+                <a:solidFill>
+                  <a:schemeClr val="bg1"/>
+                </a:solidFill>
+                <a:latin typeface="Futura LT Book" pitchFamily="2" charset="0"/>
+                <a:ea typeface="굴림" charset="-127"/>
+                <a:cs typeface="+mn-cs"/>
+              </a:defRPr>
+            </a:lvl1pPr>
+            <a:lvl2pPr marL="457200" algn="l" rtl="0" fontAlgn="base">
+              <a:spcBef>
+                <a:spcPct val="0"/>
+              </a:spcBef>
+              <a:spcAft>
+                <a:spcPct val="0"/>
+              </a:spcAft>
+              <a:defRPr sz="2000" kern="1200">
+                <a:solidFill>
+                  <a:schemeClr val="bg1"/>
+                </a:solidFill>
+                <a:latin typeface="Futura LT Book" pitchFamily="2" charset="0"/>
+                <a:ea typeface="굴림" charset="-127"/>
+                <a:cs typeface="+mn-cs"/>
+              </a:defRPr>
+            </a:lvl2pPr>
+            <a:lvl3pPr marL="914400" algn="l" rtl="0" fontAlgn="base">
+              <a:spcBef>
+                <a:spcPct val="0"/>
+              </a:spcBef>
+              <a:spcAft>
+                <a:spcPct val="0"/>
+              </a:spcAft>
+              <a:defRPr sz="2000" kern="1200">
+                <a:solidFill>
+                  <a:schemeClr val="bg1"/>
+                </a:solidFill>
+                <a:latin typeface="Futura LT Book" pitchFamily="2" charset="0"/>
+                <a:ea typeface="굴림" charset="-127"/>
+                <a:cs typeface="+mn-cs"/>
+              </a:defRPr>
+            </a:lvl3pPr>
+            <a:lvl4pPr marL="1371600" algn="l" rtl="0" fontAlgn="base">
+              <a:spcBef>
+                <a:spcPct val="0"/>
+              </a:spcBef>
+              <a:spcAft>
+                <a:spcPct val="0"/>
+              </a:spcAft>
+              <a:defRPr sz="2000" kern="1200">
+                <a:solidFill>
+                  <a:schemeClr val="bg1"/>
+                </a:solidFill>
+                <a:latin typeface="Futura LT Book" pitchFamily="2" charset="0"/>
+                <a:ea typeface="굴림" charset="-127"/>
+                <a:cs typeface="+mn-cs"/>
+              </a:defRPr>
+            </a:lvl4pPr>
+            <a:lvl5pPr marL="1828800" algn="l" rtl="0" fontAlgn="base">
+              <a:spcBef>
+                <a:spcPct val="0"/>
+              </a:spcBef>
+              <a:spcAft>
+                <a:spcPct val="0"/>
+              </a:spcAft>
+              <a:defRPr sz="2000" kern="1200">
+                <a:solidFill>
+                  <a:schemeClr val="bg1"/>
+                </a:solidFill>
+                <a:latin typeface="Futura LT Book" pitchFamily="2" charset="0"/>
+                <a:ea typeface="굴림" charset="-127"/>
+                <a:cs typeface="+mn-cs"/>
+              </a:defRPr>
+            </a:lvl5pPr>
+            <a:lvl6pPr marL="2286000" algn="l" defTabSz="914400" rtl="0" eaLnBrk="1" latinLnBrk="0" hangingPunct="1">
+              <a:defRPr sz="2000" kern="1200">
+                <a:solidFill>
+                  <a:schemeClr val="bg1"/>
+                </a:solidFill>
+                <a:latin typeface="Futura LT Book" pitchFamily="2" charset="0"/>
+                <a:ea typeface="굴림" charset="-127"/>
+                <a:cs typeface="+mn-cs"/>
+              </a:defRPr>
+            </a:lvl6pPr>
+            <a:lvl7pPr marL="2743200" algn="l" defTabSz="914400" rtl="0" eaLnBrk="1" latinLnBrk="0" hangingPunct="1">
+              <a:defRPr sz="2000" kern="1200">
+                <a:solidFill>
+                  <a:schemeClr val="bg1"/>
+                </a:solidFill>
+                <a:latin typeface="Futura LT Book" pitchFamily="2" charset="0"/>
+                <a:ea typeface="굴림" charset="-127"/>
+                <a:cs typeface="+mn-cs"/>
+              </a:defRPr>
+            </a:lvl7pPr>
+            <a:lvl8pPr marL="3200400" algn="l" defTabSz="914400" rtl="0" eaLnBrk="1" latinLnBrk="0" hangingPunct="1">
+              <a:defRPr sz="2000" kern="1200">
+                <a:solidFill>
+                  <a:schemeClr val="bg1"/>
+                </a:solidFill>
+                <a:latin typeface="Futura LT Book" pitchFamily="2" charset="0"/>
+                <a:ea typeface="굴림" charset="-127"/>
+                <a:cs typeface="+mn-cs"/>
+              </a:defRPr>
+            </a:lvl8pPr>
+            <a:lvl9pPr marL="3657600" algn="l" defTabSz="914400" rtl="0" eaLnBrk="1" latinLnBrk="0" hangingPunct="1">
+              <a:defRPr sz="2000" kern="1200">
+                <a:solidFill>
+                  <a:schemeClr val="bg1"/>
+                </a:solidFill>
+                <a:latin typeface="Futura LT Book" pitchFamily="2" charset="0"/>
+                <a:ea typeface="굴림" charset="-127"/>
+                <a:cs typeface="+mn-cs"/>
+              </a:defRPr>
+            </a:lvl9pPr>
+          </a:lstStyle>
+          <a:p>
+            <a:pPr algn="r"/>
+            <a:fld id="{F3C024E0-34B0-439A-B45D-DA3346595B08}" type="slidenum">
+              <a:rPr lang="ru-RU" sz="1600" smtClean="0">
+                <a:solidFill>
+                  <a:schemeClr val="tx2">
+                    <a:lumMod val="85000"/>
+                    <a:lumOff val="15000"/>
+                  </a:schemeClr>
+                </a:solidFill>
+                <a:latin typeface="Open Sans" pitchFamily="2" charset="0"/>
+                <a:ea typeface="Open Sans" pitchFamily="2" charset="0"/>
+                <a:cs typeface="Open Sans" pitchFamily="2" charset="0"/>
+              </a:rPr>
+              <a:pPr algn="r"/>
+              <a:t>8</a:t>
+            </a:fld>
+            <a:endParaRPr lang="ru-RU" sz="1600" dirty="0">
+              <a:solidFill>
+                <a:schemeClr val="tx2">
+                  <a:lumMod val="85000"/>
+                  <a:lumOff val="15000"/>
+                </a:schemeClr>
+              </a:solidFill>
               <a:latin typeface="Open Sans" pitchFamily="2" charset="0"/>
               <a:ea typeface="Open Sans" pitchFamily="2" charset="0"/>
               <a:cs typeface="Open Sans" pitchFamily="2" charset="0"/>
